--- a/Presentation1.pptx
+++ b/Presentation1.pptx
@@ -7,6 +7,10 @@
   <p:sldIdLst>
     <p:sldId id="256" r:id="rId2"/>
     <p:sldId id="257" r:id="rId3"/>
+    <p:sldId id="258" r:id="rId4"/>
+    <p:sldId id="259" r:id="rId5"/>
+    <p:sldId id="260" r:id="rId6"/>
+    <p:sldId id="261" r:id="rId7"/>
   </p:sldIdLst>
   <p:sldSz cx="12192000" cy="6858000"/>
   <p:notesSz cx="6858000" cy="9144000"/>
@@ -105,6 +109,11 @@
       </a:defRPr>
     </a:lvl9pPr>
   </p:defaultTextStyle>
+  <p:extLst>
+    <p:ext uri="{EFAFB233-063F-42B5-8137-9DF3F51BA10A}">
+      <p15:sldGuideLst xmlns:p15="http://schemas.microsoft.com/office/powerpoint/2012/main"/>
+    </p:ext>
+  </p:extLst>
 </p:presentation>
 </file>
 
@@ -255,7 +264,7 @@
           <a:p>
             <a:fld id="{326FE191-62C5-2B4B-94DC-D1CDBD6B0817}" type="datetimeFigureOut">
               <a:rPr lang="en-US" smtClean="0"/>
-              <a:t>4/10/25</a:t>
+              <a:t>4/21/25</a:t>
             </a:fld>
             <a:endParaRPr lang="en-US"/>
           </a:p>
@@ -453,7 +462,7 @@
           <a:p>
             <a:fld id="{326FE191-62C5-2B4B-94DC-D1CDBD6B0817}" type="datetimeFigureOut">
               <a:rPr lang="en-US" smtClean="0"/>
-              <a:t>4/10/25</a:t>
+              <a:t>4/21/25</a:t>
             </a:fld>
             <a:endParaRPr lang="en-US"/>
           </a:p>
@@ -661,7 +670,7 @@
           <a:p>
             <a:fld id="{326FE191-62C5-2B4B-94DC-D1CDBD6B0817}" type="datetimeFigureOut">
               <a:rPr lang="en-US" smtClean="0"/>
-              <a:t>4/10/25</a:t>
+              <a:t>4/21/25</a:t>
             </a:fld>
             <a:endParaRPr lang="en-US"/>
           </a:p>
@@ -859,7 +868,7 @@
           <a:p>
             <a:fld id="{326FE191-62C5-2B4B-94DC-D1CDBD6B0817}" type="datetimeFigureOut">
               <a:rPr lang="en-US" smtClean="0"/>
-              <a:t>4/10/25</a:t>
+              <a:t>4/21/25</a:t>
             </a:fld>
             <a:endParaRPr lang="en-US"/>
           </a:p>
@@ -1134,7 +1143,7 @@
           <a:p>
             <a:fld id="{326FE191-62C5-2B4B-94DC-D1CDBD6B0817}" type="datetimeFigureOut">
               <a:rPr lang="en-US" smtClean="0"/>
-              <a:t>4/10/25</a:t>
+              <a:t>4/21/25</a:t>
             </a:fld>
             <a:endParaRPr lang="en-US"/>
           </a:p>
@@ -1399,7 +1408,7 @@
           <a:p>
             <a:fld id="{326FE191-62C5-2B4B-94DC-D1CDBD6B0817}" type="datetimeFigureOut">
               <a:rPr lang="en-US" smtClean="0"/>
-              <a:t>4/10/25</a:t>
+              <a:t>4/21/25</a:t>
             </a:fld>
             <a:endParaRPr lang="en-US"/>
           </a:p>
@@ -1811,7 +1820,7 @@
           <a:p>
             <a:fld id="{326FE191-62C5-2B4B-94DC-D1CDBD6B0817}" type="datetimeFigureOut">
               <a:rPr lang="en-US" smtClean="0"/>
-              <a:t>4/10/25</a:t>
+              <a:t>4/21/25</a:t>
             </a:fld>
             <a:endParaRPr lang="en-US"/>
           </a:p>
@@ -1952,7 +1961,7 @@
           <a:p>
             <a:fld id="{326FE191-62C5-2B4B-94DC-D1CDBD6B0817}" type="datetimeFigureOut">
               <a:rPr lang="en-US" smtClean="0"/>
-              <a:t>4/10/25</a:t>
+              <a:t>4/21/25</a:t>
             </a:fld>
             <a:endParaRPr lang="en-US"/>
           </a:p>
@@ -2065,7 +2074,7 @@
           <a:p>
             <a:fld id="{326FE191-62C5-2B4B-94DC-D1CDBD6B0817}" type="datetimeFigureOut">
               <a:rPr lang="en-US" smtClean="0"/>
-              <a:t>4/10/25</a:t>
+              <a:t>4/21/25</a:t>
             </a:fld>
             <a:endParaRPr lang="en-US"/>
           </a:p>
@@ -2376,7 +2385,7 @@
           <a:p>
             <a:fld id="{326FE191-62C5-2B4B-94DC-D1CDBD6B0817}" type="datetimeFigureOut">
               <a:rPr lang="en-US" smtClean="0"/>
-              <a:t>4/10/25</a:t>
+              <a:t>4/21/25</a:t>
             </a:fld>
             <a:endParaRPr lang="en-US"/>
           </a:p>
@@ -2664,7 +2673,7 @@
           <a:p>
             <a:fld id="{326FE191-62C5-2B4B-94DC-D1CDBD6B0817}" type="datetimeFigureOut">
               <a:rPr lang="en-US" smtClean="0"/>
-              <a:t>4/10/25</a:t>
+              <a:t>4/21/25</a:t>
             </a:fld>
             <a:endParaRPr lang="en-US"/>
           </a:p>
@@ -2905,7 +2914,7 @@
           <a:p>
             <a:fld id="{326FE191-62C5-2B4B-94DC-D1CDBD6B0817}" type="datetimeFigureOut">
               <a:rPr lang="en-US" smtClean="0"/>
-              <a:t>4/10/25</a:t>
+              <a:t>4/21/25</a:t>
             </a:fld>
             <a:endParaRPr lang="en-US"/>
           </a:p>
@@ -4617,6 +4626,3044 @@
 </p:sld>
 </file>
 
+<file path=ppt/slides/slide3.xml><?xml version="1.0" encoding="utf-8"?>
+<p:sld xmlns:a="http://schemas.openxmlformats.org/drawingml/2006/main" xmlns:r="http://schemas.openxmlformats.org/officeDocument/2006/relationships" xmlns:p="http://schemas.openxmlformats.org/presentationml/2006/main">
+  <p:cSld>
+    <p:spTree>
+      <p:nvGrpSpPr>
+        <p:cNvPr id="1" name=""/>
+        <p:cNvGrpSpPr/>
+        <p:nvPr/>
+      </p:nvGrpSpPr>
+      <p:grpSpPr>
+        <a:xfrm>
+          <a:off x="0" y="0"/>
+          <a:ext cx="0" cy="0"/>
+          <a:chOff x="0" y="0"/>
+          <a:chExt cx="0" cy="0"/>
+        </a:xfrm>
+      </p:grpSpPr>
+      <p:grpSp>
+        <p:nvGrpSpPr>
+          <p:cNvPr id="87" name="Group 86">
+            <a:extLst>
+              <a:ext uri="{FF2B5EF4-FFF2-40B4-BE49-F238E27FC236}">
+                <a16:creationId xmlns:a16="http://schemas.microsoft.com/office/drawing/2014/main" id="{3F01D7B2-1631-7DD2-3A7B-1ABC7729E9E6}"/>
+              </a:ext>
+            </a:extLst>
+          </p:cNvPr>
+          <p:cNvGrpSpPr/>
+          <p:nvPr/>
+        </p:nvGrpSpPr>
+        <p:grpSpPr>
+          <a:xfrm>
+            <a:off x="744293" y="832267"/>
+            <a:ext cx="9706407" cy="5397939"/>
+            <a:chOff x="744293" y="832267"/>
+            <a:chExt cx="9706407" cy="5397939"/>
+          </a:xfrm>
+        </p:grpSpPr>
+        <p:grpSp>
+          <p:nvGrpSpPr>
+            <p:cNvPr id="51" name="Group 50">
+              <a:extLst>
+                <a:ext uri="{FF2B5EF4-FFF2-40B4-BE49-F238E27FC236}">
+                  <a16:creationId xmlns:a16="http://schemas.microsoft.com/office/drawing/2014/main" id="{59933F0E-5671-31ED-2A66-F41AA3BF98EB}"/>
+                </a:ext>
+              </a:extLst>
+            </p:cNvPr>
+            <p:cNvGrpSpPr/>
+            <p:nvPr/>
+          </p:nvGrpSpPr>
+          <p:grpSpPr>
+            <a:xfrm>
+              <a:off x="2388324" y="832267"/>
+              <a:ext cx="7099604" cy="369332"/>
+              <a:chOff x="2518572" y="1713800"/>
+              <a:chExt cx="7099604" cy="369332"/>
+            </a:xfrm>
+          </p:grpSpPr>
+          <p:sp>
+            <p:nvSpPr>
+              <p:cNvPr id="24" name="TextBox 23">
+                <a:extLst>
+                  <a:ext uri="{FF2B5EF4-FFF2-40B4-BE49-F238E27FC236}">
+                    <a16:creationId xmlns:a16="http://schemas.microsoft.com/office/drawing/2014/main" id="{D772BBBF-242B-5809-3FCF-CCE4029B30F0}"/>
+                  </a:ext>
+                </a:extLst>
+              </p:cNvPr>
+              <p:cNvSpPr txBox="1"/>
+              <p:nvPr/>
+            </p:nvSpPr>
+            <p:spPr>
+              <a:xfrm>
+                <a:off x="7192576" y="1713800"/>
+                <a:ext cx="2425600" cy="369332"/>
+              </a:xfrm>
+              <a:prstGeom prst="rect">
+                <a:avLst/>
+              </a:prstGeom>
+              <a:noFill/>
+            </p:spPr>
+            <p:txBody>
+              <a:bodyPr wrap="square" rtlCol="0">
+                <a:spAutoFit/>
+              </a:bodyPr>
+              <a:lstStyle/>
+              <a:p>
+                <a:r>
+                  <a:rPr lang="en-US" b="1" i="1" dirty="0">
+                    <a:solidFill>
+                      <a:schemeClr val="accent4"/>
+                    </a:solidFill>
+                  </a:rPr>
+                  <a:t>Administrative delay</a:t>
+                </a:r>
+              </a:p>
+            </p:txBody>
+          </p:sp>
+          <p:sp>
+            <p:nvSpPr>
+              <p:cNvPr id="25" name="TextBox 24">
+                <a:extLst>
+                  <a:ext uri="{FF2B5EF4-FFF2-40B4-BE49-F238E27FC236}">
+                    <a16:creationId xmlns:a16="http://schemas.microsoft.com/office/drawing/2014/main" id="{992B6E4D-2036-31B1-2D75-9CD00E0A350D}"/>
+                  </a:ext>
+                </a:extLst>
+              </p:cNvPr>
+              <p:cNvSpPr txBox="1"/>
+              <p:nvPr/>
+            </p:nvSpPr>
+            <p:spPr>
+              <a:xfrm>
+                <a:off x="2518572" y="1713800"/>
+                <a:ext cx="1905665" cy="369332"/>
+              </a:xfrm>
+              <a:prstGeom prst="rect">
+                <a:avLst/>
+              </a:prstGeom>
+              <a:noFill/>
+            </p:spPr>
+            <p:txBody>
+              <a:bodyPr wrap="square" rtlCol="0">
+                <a:spAutoFit/>
+              </a:bodyPr>
+              <a:lstStyle/>
+              <a:p>
+                <a:r>
+                  <a:rPr lang="en-US" b="1" i="1" dirty="0">
+                    <a:solidFill>
+                      <a:schemeClr val="accent5"/>
+                    </a:solidFill>
+                  </a:rPr>
+                  <a:t>Incubation time</a:t>
+                </a:r>
+              </a:p>
+            </p:txBody>
+          </p:sp>
+          <p:sp>
+            <p:nvSpPr>
+              <p:cNvPr id="26" name="TextBox 25">
+                <a:extLst>
+                  <a:ext uri="{FF2B5EF4-FFF2-40B4-BE49-F238E27FC236}">
+                    <a16:creationId xmlns:a16="http://schemas.microsoft.com/office/drawing/2014/main" id="{81D28926-4BAE-76FF-DC59-CD6317F46487}"/>
+                  </a:ext>
+                </a:extLst>
+              </p:cNvPr>
+              <p:cNvSpPr txBox="1"/>
+              <p:nvPr/>
+            </p:nvSpPr>
+            <p:spPr>
+              <a:xfrm>
+                <a:off x="4633389" y="1713800"/>
+                <a:ext cx="2304723" cy="369332"/>
+              </a:xfrm>
+              <a:prstGeom prst="rect">
+                <a:avLst/>
+              </a:prstGeom>
+              <a:noFill/>
+            </p:spPr>
+            <p:txBody>
+              <a:bodyPr wrap="square" rtlCol="0">
+                <a:spAutoFit/>
+              </a:bodyPr>
+              <a:lstStyle/>
+              <a:p>
+                <a:r>
+                  <a:rPr lang="en-US" b="1" i="1" dirty="0">
+                    <a:solidFill>
+                      <a:schemeClr val="accent4"/>
+                    </a:solidFill>
+                  </a:rPr>
+                  <a:t>“Time to test” delay</a:t>
+                </a:r>
+              </a:p>
+            </p:txBody>
+          </p:sp>
+        </p:grpSp>
+        <p:cxnSp>
+          <p:nvCxnSpPr>
+            <p:cNvPr id="61" name="Straight Connector 60">
+              <a:extLst>
+                <a:ext uri="{FF2B5EF4-FFF2-40B4-BE49-F238E27FC236}">
+                  <a16:creationId xmlns:a16="http://schemas.microsoft.com/office/drawing/2014/main" id="{0F2178AF-DDAC-472E-7F7D-067CDE14DAED}"/>
+                </a:ext>
+              </a:extLst>
+            </p:cNvPr>
+            <p:cNvCxnSpPr>
+              <a:cxnSpLocks/>
+            </p:cNvCxnSpPr>
+            <p:nvPr/>
+          </p:nvCxnSpPr>
+          <p:spPr>
+            <a:xfrm>
+              <a:off x="4521877" y="1366102"/>
+              <a:ext cx="1000698" cy="2324508"/>
+            </a:xfrm>
+            <a:prstGeom prst="line">
+              <a:avLst/>
+            </a:prstGeom>
+            <a:ln>
+              <a:solidFill>
+                <a:schemeClr val="accent5"/>
+              </a:solidFill>
+              <a:prstDash val="dash"/>
+            </a:ln>
+          </p:spPr>
+          <p:style>
+            <a:lnRef idx="2">
+              <a:schemeClr val="accent1"/>
+            </a:lnRef>
+            <a:fillRef idx="0">
+              <a:schemeClr val="accent1"/>
+            </a:fillRef>
+            <a:effectRef idx="1">
+              <a:schemeClr val="accent1"/>
+            </a:effectRef>
+            <a:fontRef idx="minor">
+              <a:schemeClr val="tx1"/>
+            </a:fontRef>
+          </p:style>
+        </p:cxnSp>
+        <p:grpSp>
+          <p:nvGrpSpPr>
+            <p:cNvPr id="55" name="Group 54">
+              <a:extLst>
+                <a:ext uri="{FF2B5EF4-FFF2-40B4-BE49-F238E27FC236}">
+                  <a16:creationId xmlns:a16="http://schemas.microsoft.com/office/drawing/2014/main" id="{6E2A82E6-2EA1-C171-6686-167F3D945E8F}"/>
+                </a:ext>
+              </a:extLst>
+            </p:cNvPr>
+            <p:cNvGrpSpPr/>
+            <p:nvPr/>
+          </p:nvGrpSpPr>
+          <p:grpSpPr>
+            <a:xfrm>
+              <a:off x="744293" y="1104492"/>
+              <a:ext cx="9706407" cy="1307332"/>
+              <a:chOff x="744293" y="1104492"/>
+              <a:chExt cx="9706407" cy="1307332"/>
+            </a:xfrm>
+          </p:grpSpPr>
+          <p:grpSp>
+            <p:nvGrpSpPr>
+              <p:cNvPr id="23" name="Group 22">
+                <a:extLst>
+                  <a:ext uri="{FF2B5EF4-FFF2-40B4-BE49-F238E27FC236}">
+                    <a16:creationId xmlns:a16="http://schemas.microsoft.com/office/drawing/2014/main" id="{ACEAB3D0-352A-B7BD-4E6E-27335AE30A5C}"/>
+                  </a:ext>
+                </a:extLst>
+              </p:cNvPr>
+              <p:cNvGrpSpPr/>
+              <p:nvPr/>
+            </p:nvGrpSpPr>
+            <p:grpSpPr>
+              <a:xfrm>
+                <a:off x="1616866" y="1227958"/>
+                <a:ext cx="8833834" cy="1183866"/>
+                <a:chOff x="981246" y="2463192"/>
+                <a:chExt cx="8833834" cy="1183866"/>
+              </a:xfrm>
+            </p:grpSpPr>
+            <p:sp>
+              <p:nvSpPr>
+                <p:cNvPr id="5" name="Rounded Rectangle 4">
+                  <a:extLst>
+                    <a:ext uri="{FF2B5EF4-FFF2-40B4-BE49-F238E27FC236}">
+                      <a16:creationId xmlns:a16="http://schemas.microsoft.com/office/drawing/2014/main" id="{545AA022-4EC4-8888-A85E-8551D54CC0A6}"/>
+                    </a:ext>
+                  </a:extLst>
+                </p:cNvPr>
+                <p:cNvSpPr/>
+                <p:nvPr/>
+              </p:nvSpPr>
+              <p:spPr>
+                <a:xfrm>
+                  <a:off x="981246" y="2787880"/>
+                  <a:ext cx="1245154" cy="685605"/>
+                </a:xfrm>
+                <a:prstGeom prst="roundRect">
+                  <a:avLst/>
+                </a:prstGeom>
+                <a:ln>
+                  <a:noFill/>
+                </a:ln>
+              </p:spPr>
+              <p:style>
+                <a:lnRef idx="2">
+                  <a:schemeClr val="dk1"/>
+                </a:lnRef>
+                <a:fillRef idx="1">
+                  <a:schemeClr val="lt1"/>
+                </a:fillRef>
+                <a:effectRef idx="0">
+                  <a:schemeClr val="dk1"/>
+                </a:effectRef>
+                <a:fontRef idx="minor">
+                  <a:schemeClr val="dk1"/>
+                </a:fontRef>
+              </p:style>
+              <p:txBody>
+                <a:bodyPr rtlCol="0" anchor="ctr"/>
+                <a:lstStyle/>
+                <a:p>
+                  <a:pPr algn="ctr"/>
+                  <a:r>
+                    <a:rPr lang="en-US" sz="1400" dirty="0"/>
+                    <a:t>Infection</a:t>
+                  </a:r>
+                </a:p>
+              </p:txBody>
+            </p:sp>
+            <p:sp>
+              <p:nvSpPr>
+                <p:cNvPr id="7" name="Rounded Rectangle 6">
+                  <a:extLst>
+                    <a:ext uri="{FF2B5EF4-FFF2-40B4-BE49-F238E27FC236}">
+                      <a16:creationId xmlns:a16="http://schemas.microsoft.com/office/drawing/2014/main" id="{09C9CE46-E2AA-64DF-3436-1A76151B7395}"/>
+                    </a:ext>
+                  </a:extLst>
+                </p:cNvPr>
+                <p:cNvSpPr/>
+                <p:nvPr/>
+              </p:nvSpPr>
+              <p:spPr>
+                <a:xfrm>
+                  <a:off x="3098973" y="2877625"/>
+                  <a:ext cx="1676399" cy="769433"/>
+                </a:xfrm>
+                <a:prstGeom prst="roundRect">
+                  <a:avLst/>
+                </a:prstGeom>
+                <a:ln>
+                  <a:noFill/>
+                </a:ln>
+              </p:spPr>
+              <p:style>
+                <a:lnRef idx="2">
+                  <a:schemeClr val="dk1"/>
+                </a:lnRef>
+                <a:fillRef idx="1">
+                  <a:schemeClr val="lt1"/>
+                </a:fillRef>
+                <a:effectRef idx="0">
+                  <a:schemeClr val="dk1"/>
+                </a:effectRef>
+                <a:fontRef idx="minor">
+                  <a:schemeClr val="dk1"/>
+                </a:fontRef>
+              </p:style>
+              <p:txBody>
+                <a:bodyPr rtlCol="0" anchor="ctr"/>
+                <a:lstStyle/>
+                <a:p>
+                  <a:pPr algn="ctr"/>
+                  <a:r>
+                    <a:rPr lang="en-US" sz="1400" dirty="0"/>
+                    <a:t>Symptom onset / </a:t>
+                  </a:r>
+                </a:p>
+                <a:p>
+                  <a:pPr algn="ctr"/>
+                  <a:r>
+                    <a:rPr lang="en-US" sz="1400" dirty="0"/>
+                    <a:t>Ability to infect others</a:t>
+                  </a:r>
+                </a:p>
+              </p:txBody>
+            </p:sp>
+            <p:sp>
+              <p:nvSpPr>
+                <p:cNvPr id="9" name="Rounded Rectangle 8">
+                  <a:extLst>
+                    <a:ext uri="{FF2B5EF4-FFF2-40B4-BE49-F238E27FC236}">
+                      <a16:creationId xmlns:a16="http://schemas.microsoft.com/office/drawing/2014/main" id="{E07A6301-3DA6-F977-E15D-4AC599EFEF4E}"/>
+                    </a:ext>
+                  </a:extLst>
+                </p:cNvPr>
+                <p:cNvSpPr/>
+                <p:nvPr/>
+              </p:nvSpPr>
+              <p:spPr>
+                <a:xfrm>
+                  <a:off x="5609122" y="2788082"/>
+                  <a:ext cx="1676399" cy="669072"/>
+                </a:xfrm>
+                <a:prstGeom prst="roundRect">
+                  <a:avLst/>
+                </a:prstGeom>
+                <a:ln>
+                  <a:noFill/>
+                </a:ln>
+              </p:spPr>
+              <p:style>
+                <a:lnRef idx="2">
+                  <a:schemeClr val="dk1"/>
+                </a:lnRef>
+                <a:fillRef idx="1">
+                  <a:schemeClr val="lt1"/>
+                </a:fillRef>
+                <a:effectRef idx="0">
+                  <a:schemeClr val="dk1"/>
+                </a:effectRef>
+                <a:fontRef idx="minor">
+                  <a:schemeClr val="dk1"/>
+                </a:fontRef>
+              </p:style>
+              <p:txBody>
+                <a:bodyPr rtlCol="0" anchor="ctr"/>
+                <a:lstStyle/>
+                <a:p>
+                  <a:pPr algn="ctr"/>
+                  <a:r>
+                    <a:rPr lang="en-US" sz="1400" dirty="0"/>
+                    <a:t>Taking a diagnostic test</a:t>
+                  </a:r>
+                </a:p>
+              </p:txBody>
+            </p:sp>
+            <p:sp>
+              <p:nvSpPr>
+                <p:cNvPr id="12" name="Rounded Rectangle 11">
+                  <a:extLst>
+                    <a:ext uri="{FF2B5EF4-FFF2-40B4-BE49-F238E27FC236}">
+                      <a16:creationId xmlns:a16="http://schemas.microsoft.com/office/drawing/2014/main" id="{085F8323-C18F-0F9F-3883-5D497EF11608}"/>
+                    </a:ext>
+                  </a:extLst>
+                </p:cNvPr>
+                <p:cNvSpPr/>
+                <p:nvPr/>
+              </p:nvSpPr>
+              <p:spPr>
+                <a:xfrm>
+                  <a:off x="8138681" y="2800116"/>
+                  <a:ext cx="1676399" cy="669072"/>
+                </a:xfrm>
+                <a:prstGeom prst="roundRect">
+                  <a:avLst/>
+                </a:prstGeom>
+                <a:ln>
+                  <a:noFill/>
+                </a:ln>
+              </p:spPr>
+              <p:style>
+                <a:lnRef idx="2">
+                  <a:schemeClr val="dk1"/>
+                </a:lnRef>
+                <a:fillRef idx="1">
+                  <a:schemeClr val="lt1"/>
+                </a:fillRef>
+                <a:effectRef idx="0">
+                  <a:schemeClr val="dk1"/>
+                </a:effectRef>
+                <a:fontRef idx="minor">
+                  <a:schemeClr val="dk1"/>
+                </a:fontRef>
+              </p:style>
+              <p:txBody>
+                <a:bodyPr rtlCol="0" anchor="ctr"/>
+                <a:lstStyle/>
+                <a:p>
+                  <a:pPr algn="ctr"/>
+                  <a:r>
+                    <a:rPr lang="en-US" sz="1400" dirty="0"/>
+                    <a:t>Test result appears in surveillance data</a:t>
+                  </a:r>
+                </a:p>
+              </p:txBody>
+            </p:sp>
+            <p:grpSp>
+              <p:nvGrpSpPr>
+                <p:cNvPr id="21" name="Group 20">
+                  <a:extLst>
+                    <a:ext uri="{FF2B5EF4-FFF2-40B4-BE49-F238E27FC236}">
+                      <a16:creationId xmlns:a16="http://schemas.microsoft.com/office/drawing/2014/main" id="{B6A2137A-DFB8-C091-EC08-0719FFD498B1}"/>
+                    </a:ext>
+                  </a:extLst>
+                </p:cNvPr>
+                <p:cNvGrpSpPr/>
+                <p:nvPr/>
+              </p:nvGrpSpPr>
+              <p:grpSpPr>
+                <a:xfrm>
+                  <a:off x="1572319" y="2463192"/>
+                  <a:ext cx="7404562" cy="276289"/>
+                  <a:chOff x="1572319" y="2463192"/>
+                  <a:chExt cx="7404562" cy="276289"/>
+                </a:xfrm>
+              </p:grpSpPr>
+              <p:grpSp>
+                <p:nvGrpSpPr>
+                  <p:cNvPr id="17" name="Group 16">
+                    <a:extLst>
+                      <a:ext uri="{FF2B5EF4-FFF2-40B4-BE49-F238E27FC236}">
+                        <a16:creationId xmlns:a16="http://schemas.microsoft.com/office/drawing/2014/main" id="{436C3216-96A5-7174-0F2C-A37EBA7178FA}"/>
+                      </a:ext>
+                    </a:extLst>
+                  </p:cNvPr>
+                  <p:cNvGrpSpPr/>
+                  <p:nvPr/>
+                </p:nvGrpSpPr>
+                <p:grpSpPr>
+                  <a:xfrm>
+                    <a:off x="1572319" y="2463192"/>
+                    <a:ext cx="7404562" cy="276289"/>
+                    <a:chOff x="1572319" y="2463192"/>
+                    <a:chExt cx="7404562" cy="276289"/>
+                  </a:xfrm>
+                </p:grpSpPr>
+                <p:cxnSp>
+                  <p:nvCxnSpPr>
+                    <p:cNvPr id="3" name="Straight Connector 2">
+                      <a:extLst>
+                        <a:ext uri="{FF2B5EF4-FFF2-40B4-BE49-F238E27FC236}">
+                          <a16:creationId xmlns:a16="http://schemas.microsoft.com/office/drawing/2014/main" id="{76811D62-C07B-EC42-F95F-028966740376}"/>
+                        </a:ext>
+                      </a:extLst>
+                    </p:cNvPr>
+                    <p:cNvCxnSpPr>
+                      <a:cxnSpLocks/>
+                    </p:cNvCxnSpPr>
+                    <p:nvPr/>
+                  </p:nvCxnSpPr>
+                  <p:spPr>
+                    <a:xfrm>
+                      <a:off x="1572319" y="2463192"/>
+                      <a:ext cx="0" cy="276289"/>
+                    </a:xfrm>
+                    <a:prstGeom prst="line">
+                      <a:avLst/>
+                    </a:prstGeom>
+                  </p:spPr>
+                  <p:style>
+                    <a:lnRef idx="2">
+                      <a:schemeClr val="accent1"/>
+                    </a:lnRef>
+                    <a:fillRef idx="0">
+                      <a:schemeClr val="accent1"/>
+                    </a:fillRef>
+                    <a:effectRef idx="1">
+                      <a:schemeClr val="accent1"/>
+                    </a:effectRef>
+                    <a:fontRef idx="minor">
+                      <a:schemeClr val="tx1"/>
+                    </a:fontRef>
+                  </p:style>
+                </p:cxnSp>
+                <p:cxnSp>
+                  <p:nvCxnSpPr>
+                    <p:cNvPr id="13" name="Straight Connector 12">
+                      <a:extLst>
+                        <a:ext uri="{FF2B5EF4-FFF2-40B4-BE49-F238E27FC236}">
+                          <a16:creationId xmlns:a16="http://schemas.microsoft.com/office/drawing/2014/main" id="{010D8864-ACEE-1C17-4CA6-8EDEAD63F991}"/>
+                        </a:ext>
+                      </a:extLst>
+                    </p:cNvPr>
+                    <p:cNvCxnSpPr>
+                      <a:cxnSpLocks/>
+                    </p:cNvCxnSpPr>
+                    <p:nvPr/>
+                  </p:nvCxnSpPr>
+                  <p:spPr>
+                    <a:xfrm>
+                      <a:off x="3886257" y="2463192"/>
+                      <a:ext cx="0" cy="276289"/>
+                    </a:xfrm>
+                    <a:prstGeom prst="line">
+                      <a:avLst/>
+                    </a:prstGeom>
+                  </p:spPr>
+                  <p:style>
+                    <a:lnRef idx="2">
+                      <a:schemeClr val="accent1"/>
+                    </a:lnRef>
+                    <a:fillRef idx="0">
+                      <a:schemeClr val="accent1"/>
+                    </a:fillRef>
+                    <a:effectRef idx="1">
+                      <a:schemeClr val="accent1"/>
+                    </a:effectRef>
+                    <a:fontRef idx="minor">
+                      <a:schemeClr val="tx1"/>
+                    </a:fontRef>
+                  </p:style>
+                </p:cxnSp>
+                <p:cxnSp>
+                  <p:nvCxnSpPr>
+                    <p:cNvPr id="14" name="Straight Connector 13">
+                      <a:extLst>
+                        <a:ext uri="{FF2B5EF4-FFF2-40B4-BE49-F238E27FC236}">
+                          <a16:creationId xmlns:a16="http://schemas.microsoft.com/office/drawing/2014/main" id="{A08E626A-3DAD-85A2-8363-FEA834882F22}"/>
+                        </a:ext>
+                      </a:extLst>
+                    </p:cNvPr>
+                    <p:cNvCxnSpPr>
+                      <a:cxnSpLocks/>
+                    </p:cNvCxnSpPr>
+                    <p:nvPr/>
+                  </p:nvCxnSpPr>
+                  <p:spPr>
+                    <a:xfrm>
+                      <a:off x="6415818" y="2463192"/>
+                      <a:ext cx="0" cy="276289"/>
+                    </a:xfrm>
+                    <a:prstGeom prst="line">
+                      <a:avLst/>
+                    </a:prstGeom>
+                  </p:spPr>
+                  <p:style>
+                    <a:lnRef idx="2">
+                      <a:schemeClr val="accent1"/>
+                    </a:lnRef>
+                    <a:fillRef idx="0">
+                      <a:schemeClr val="accent1"/>
+                    </a:fillRef>
+                    <a:effectRef idx="1">
+                      <a:schemeClr val="accent1"/>
+                    </a:effectRef>
+                    <a:fontRef idx="minor">
+                      <a:schemeClr val="tx1"/>
+                    </a:fontRef>
+                  </p:style>
+                </p:cxnSp>
+                <p:cxnSp>
+                  <p:nvCxnSpPr>
+                    <p:cNvPr id="15" name="Straight Connector 14">
+                      <a:extLst>
+                        <a:ext uri="{FF2B5EF4-FFF2-40B4-BE49-F238E27FC236}">
+                          <a16:creationId xmlns:a16="http://schemas.microsoft.com/office/drawing/2014/main" id="{E95DEAF1-C552-CD31-17B4-6659827291C8}"/>
+                        </a:ext>
+                      </a:extLst>
+                    </p:cNvPr>
+                    <p:cNvCxnSpPr>
+                      <a:cxnSpLocks/>
+                    </p:cNvCxnSpPr>
+                    <p:nvPr/>
+                  </p:nvCxnSpPr>
+                  <p:spPr>
+                    <a:xfrm>
+                      <a:off x="8976881" y="2463192"/>
+                      <a:ext cx="0" cy="276289"/>
+                    </a:xfrm>
+                    <a:prstGeom prst="line">
+                      <a:avLst/>
+                    </a:prstGeom>
+                  </p:spPr>
+                  <p:style>
+                    <a:lnRef idx="2">
+                      <a:schemeClr val="accent1"/>
+                    </a:lnRef>
+                    <a:fillRef idx="0">
+                      <a:schemeClr val="accent1"/>
+                    </a:fillRef>
+                    <a:effectRef idx="1">
+                      <a:schemeClr val="accent1"/>
+                    </a:effectRef>
+                    <a:fontRef idx="minor">
+                      <a:schemeClr val="tx1"/>
+                    </a:fontRef>
+                  </p:style>
+                </p:cxnSp>
+              </p:grpSp>
+              <p:cxnSp>
+                <p:nvCxnSpPr>
+                  <p:cNvPr id="19" name="Straight Connector 18">
+                    <a:extLst>
+                      <a:ext uri="{FF2B5EF4-FFF2-40B4-BE49-F238E27FC236}">
+                        <a16:creationId xmlns:a16="http://schemas.microsoft.com/office/drawing/2014/main" id="{D48A56BF-F50D-6DA2-66E8-4B1B9974758E}"/>
+                      </a:ext>
+                    </a:extLst>
+                  </p:cNvPr>
+                  <p:cNvCxnSpPr>
+                    <a:cxnSpLocks/>
+                  </p:cNvCxnSpPr>
+                  <p:nvPr/>
+                </p:nvCxnSpPr>
+                <p:spPr>
+                  <a:xfrm>
+                    <a:off x="1572319" y="2601336"/>
+                    <a:ext cx="7404562" cy="0"/>
+                  </a:xfrm>
+                  <a:prstGeom prst="line">
+                    <a:avLst/>
+                  </a:prstGeom>
+                </p:spPr>
+                <p:style>
+                  <a:lnRef idx="2">
+                    <a:schemeClr val="accent1"/>
+                  </a:lnRef>
+                  <a:fillRef idx="0">
+                    <a:schemeClr val="accent1"/>
+                  </a:fillRef>
+                  <a:effectRef idx="1">
+                    <a:schemeClr val="accent1"/>
+                  </a:effectRef>
+                  <a:fontRef idx="minor">
+                    <a:schemeClr val="tx1"/>
+                  </a:fontRef>
+                </p:style>
+              </p:cxnSp>
+            </p:grpSp>
+          </p:grpSp>
+          <p:sp>
+            <p:nvSpPr>
+              <p:cNvPr id="53" name="TextBox 52">
+                <a:extLst>
+                  <a:ext uri="{FF2B5EF4-FFF2-40B4-BE49-F238E27FC236}">
+                    <a16:creationId xmlns:a16="http://schemas.microsoft.com/office/drawing/2014/main" id="{8D6206F4-6A51-CF5F-4457-CB03A191AF28}"/>
+                  </a:ext>
+                </a:extLst>
+              </p:cNvPr>
+              <p:cNvSpPr txBox="1"/>
+              <p:nvPr/>
+            </p:nvSpPr>
+            <p:spPr>
+              <a:xfrm>
+                <a:off x="744293" y="1104492"/>
+                <a:ext cx="1416144" cy="523220"/>
+              </a:xfrm>
+              <a:prstGeom prst="rect">
+                <a:avLst/>
+              </a:prstGeom>
+              <a:noFill/>
+            </p:spPr>
+            <p:txBody>
+              <a:bodyPr wrap="square" rtlCol="0">
+                <a:spAutoFit/>
+              </a:bodyPr>
+              <a:lstStyle/>
+              <a:p>
+                <a:r>
+                  <a:rPr lang="en-US" sz="1400" dirty="0"/>
+                  <a:t>Timeline for</a:t>
+                </a:r>
+              </a:p>
+              <a:p>
+                <a:r>
+                  <a:rPr lang="en-US" sz="1400" b="1" dirty="0"/>
+                  <a:t>Person 1</a:t>
+                </a:r>
+              </a:p>
+            </p:txBody>
+          </p:sp>
+        </p:grpSp>
+        <p:grpSp>
+          <p:nvGrpSpPr>
+            <p:cNvPr id="56" name="Group 55">
+              <a:extLst>
+                <a:ext uri="{FF2B5EF4-FFF2-40B4-BE49-F238E27FC236}">
+                  <a16:creationId xmlns:a16="http://schemas.microsoft.com/office/drawing/2014/main" id="{874EBED3-B41C-EB5F-B650-7A22C9F5D188}"/>
+                </a:ext>
+              </a:extLst>
+            </p:cNvPr>
+            <p:cNvGrpSpPr/>
+            <p:nvPr/>
+          </p:nvGrpSpPr>
+          <p:grpSpPr>
+            <a:xfrm>
+              <a:off x="4288248" y="3429000"/>
+              <a:ext cx="5435615" cy="1217050"/>
+              <a:chOff x="3964863" y="3332105"/>
+              <a:chExt cx="5435615" cy="1217050"/>
+            </a:xfrm>
+          </p:grpSpPr>
+          <p:grpSp>
+            <p:nvGrpSpPr>
+              <p:cNvPr id="27" name="Group 26">
+                <a:extLst>
+                  <a:ext uri="{FF2B5EF4-FFF2-40B4-BE49-F238E27FC236}">
+                    <a16:creationId xmlns:a16="http://schemas.microsoft.com/office/drawing/2014/main" id="{947E56E4-1754-2679-195E-B5A48F029A2F}"/>
+                  </a:ext>
+                </a:extLst>
+              </p:cNvPr>
+              <p:cNvGrpSpPr/>
+              <p:nvPr/>
+            </p:nvGrpSpPr>
+            <p:grpSpPr>
+              <a:xfrm>
+                <a:off x="4576613" y="3455571"/>
+                <a:ext cx="4823865" cy="1093584"/>
+                <a:chOff x="943804" y="2463192"/>
+                <a:chExt cx="4823865" cy="1093584"/>
+              </a:xfrm>
+            </p:grpSpPr>
+            <p:sp>
+              <p:nvSpPr>
+                <p:cNvPr id="28" name="Rounded Rectangle 27">
+                  <a:extLst>
+                    <a:ext uri="{FF2B5EF4-FFF2-40B4-BE49-F238E27FC236}">
+                      <a16:creationId xmlns:a16="http://schemas.microsoft.com/office/drawing/2014/main" id="{961A3E71-4BAD-6804-060B-5B2E26BAF496}"/>
+                    </a:ext>
+                  </a:extLst>
+                </p:cNvPr>
+                <p:cNvSpPr/>
+                <p:nvPr/>
+              </p:nvSpPr>
+              <p:spPr>
+                <a:xfrm>
+                  <a:off x="943804" y="2652319"/>
+                  <a:ext cx="1245154" cy="685605"/>
+                </a:xfrm>
+                <a:prstGeom prst="roundRect">
+                  <a:avLst/>
+                </a:prstGeom>
+                <a:ln>
+                  <a:noFill/>
+                </a:ln>
+              </p:spPr>
+              <p:style>
+                <a:lnRef idx="2">
+                  <a:schemeClr val="dk1"/>
+                </a:lnRef>
+                <a:fillRef idx="1">
+                  <a:schemeClr val="lt1"/>
+                </a:fillRef>
+                <a:effectRef idx="0">
+                  <a:schemeClr val="dk1"/>
+                </a:effectRef>
+                <a:fontRef idx="minor">
+                  <a:schemeClr val="dk1"/>
+                </a:fontRef>
+              </p:style>
+              <p:txBody>
+                <a:bodyPr rtlCol="0" anchor="ctr"/>
+                <a:lstStyle/>
+                <a:p>
+                  <a:pPr algn="ctr"/>
+                  <a:r>
+                    <a:rPr lang="en-US" sz="1400" dirty="0"/>
+                    <a:t>Infection</a:t>
+                  </a:r>
+                </a:p>
+              </p:txBody>
+            </p:sp>
+            <p:sp>
+              <p:nvSpPr>
+                <p:cNvPr id="29" name="Rounded Rectangle 28">
+                  <a:extLst>
+                    <a:ext uri="{FF2B5EF4-FFF2-40B4-BE49-F238E27FC236}">
+                      <a16:creationId xmlns:a16="http://schemas.microsoft.com/office/drawing/2014/main" id="{47DF02DD-95F0-C8D1-2FA4-382B1866C32D}"/>
+                    </a:ext>
+                  </a:extLst>
+                </p:cNvPr>
+                <p:cNvSpPr/>
+                <p:nvPr/>
+              </p:nvSpPr>
+              <p:spPr>
+                <a:xfrm>
+                  <a:off x="3067683" y="2787343"/>
+                  <a:ext cx="1676399" cy="769433"/>
+                </a:xfrm>
+                <a:prstGeom prst="roundRect">
+                  <a:avLst/>
+                </a:prstGeom>
+                <a:ln>
+                  <a:noFill/>
+                </a:ln>
+              </p:spPr>
+              <p:style>
+                <a:lnRef idx="2">
+                  <a:schemeClr val="dk1"/>
+                </a:lnRef>
+                <a:fillRef idx="1">
+                  <a:schemeClr val="lt1"/>
+                </a:fillRef>
+                <a:effectRef idx="0">
+                  <a:schemeClr val="dk1"/>
+                </a:effectRef>
+                <a:fontRef idx="minor">
+                  <a:schemeClr val="dk1"/>
+                </a:fontRef>
+              </p:style>
+              <p:txBody>
+                <a:bodyPr rtlCol="0" anchor="ctr"/>
+                <a:lstStyle/>
+                <a:p>
+                  <a:pPr algn="ctr"/>
+                  <a:r>
+                    <a:rPr lang="en-US" sz="1400" dirty="0"/>
+                    <a:t>Symptom onset / </a:t>
+                  </a:r>
+                </a:p>
+                <a:p>
+                  <a:pPr algn="ctr"/>
+                  <a:r>
+                    <a:rPr lang="en-US" sz="1400" dirty="0"/>
+                    <a:t>Ability to infect others</a:t>
+                  </a:r>
+                </a:p>
+              </p:txBody>
+            </p:sp>
+            <p:grpSp>
+              <p:nvGrpSpPr>
+                <p:cNvPr id="32" name="Group 31">
+                  <a:extLst>
+                    <a:ext uri="{FF2B5EF4-FFF2-40B4-BE49-F238E27FC236}">
+                      <a16:creationId xmlns:a16="http://schemas.microsoft.com/office/drawing/2014/main" id="{3803CC5A-0C4C-5F8B-DABA-5ADAAA5A6B5D}"/>
+                    </a:ext>
+                  </a:extLst>
+                </p:cNvPr>
+                <p:cNvGrpSpPr/>
+                <p:nvPr/>
+              </p:nvGrpSpPr>
+              <p:grpSpPr>
+                <a:xfrm>
+                  <a:off x="1572319" y="2463192"/>
+                  <a:ext cx="4195350" cy="276289"/>
+                  <a:chOff x="1572319" y="2463192"/>
+                  <a:chExt cx="4195350" cy="276289"/>
+                </a:xfrm>
+              </p:grpSpPr>
+              <p:grpSp>
+                <p:nvGrpSpPr>
+                  <p:cNvPr id="33" name="Group 32">
+                    <a:extLst>
+                      <a:ext uri="{FF2B5EF4-FFF2-40B4-BE49-F238E27FC236}">
+                        <a16:creationId xmlns:a16="http://schemas.microsoft.com/office/drawing/2014/main" id="{B3F5CF30-7CEF-6EEE-A756-AE6D12475408}"/>
+                      </a:ext>
+                    </a:extLst>
+                  </p:cNvPr>
+                  <p:cNvGrpSpPr/>
+                  <p:nvPr/>
+                </p:nvGrpSpPr>
+                <p:grpSpPr>
+                  <a:xfrm>
+                    <a:off x="1572319" y="2463192"/>
+                    <a:ext cx="2313938" cy="276289"/>
+                    <a:chOff x="1572319" y="2463192"/>
+                    <a:chExt cx="2313938" cy="276289"/>
+                  </a:xfrm>
+                </p:grpSpPr>
+                <p:cxnSp>
+                  <p:nvCxnSpPr>
+                    <p:cNvPr id="35" name="Straight Connector 34">
+                      <a:extLst>
+                        <a:ext uri="{FF2B5EF4-FFF2-40B4-BE49-F238E27FC236}">
+                          <a16:creationId xmlns:a16="http://schemas.microsoft.com/office/drawing/2014/main" id="{0AFE2BAF-67ED-7874-42F5-BCF5CAE38573}"/>
+                        </a:ext>
+                      </a:extLst>
+                    </p:cNvPr>
+                    <p:cNvCxnSpPr>
+                      <a:cxnSpLocks/>
+                    </p:cNvCxnSpPr>
+                    <p:nvPr/>
+                  </p:nvCxnSpPr>
+                  <p:spPr>
+                    <a:xfrm>
+                      <a:off x="1572319" y="2463192"/>
+                      <a:ext cx="0" cy="276289"/>
+                    </a:xfrm>
+                    <a:prstGeom prst="line">
+                      <a:avLst/>
+                    </a:prstGeom>
+                  </p:spPr>
+                  <p:style>
+                    <a:lnRef idx="2">
+                      <a:schemeClr val="accent1"/>
+                    </a:lnRef>
+                    <a:fillRef idx="0">
+                      <a:schemeClr val="accent1"/>
+                    </a:fillRef>
+                    <a:effectRef idx="1">
+                      <a:schemeClr val="accent1"/>
+                    </a:effectRef>
+                    <a:fontRef idx="minor">
+                      <a:schemeClr val="tx1"/>
+                    </a:fontRef>
+                  </p:style>
+                </p:cxnSp>
+                <p:cxnSp>
+                  <p:nvCxnSpPr>
+                    <p:cNvPr id="36" name="Straight Connector 35">
+                      <a:extLst>
+                        <a:ext uri="{FF2B5EF4-FFF2-40B4-BE49-F238E27FC236}">
+                          <a16:creationId xmlns:a16="http://schemas.microsoft.com/office/drawing/2014/main" id="{39E61CFA-737F-191D-06DE-0FE0FAAF525E}"/>
+                        </a:ext>
+                      </a:extLst>
+                    </p:cNvPr>
+                    <p:cNvCxnSpPr>
+                      <a:cxnSpLocks/>
+                    </p:cNvCxnSpPr>
+                    <p:nvPr/>
+                  </p:nvCxnSpPr>
+                  <p:spPr>
+                    <a:xfrm>
+                      <a:off x="3886257" y="2463192"/>
+                      <a:ext cx="0" cy="276289"/>
+                    </a:xfrm>
+                    <a:prstGeom prst="line">
+                      <a:avLst/>
+                    </a:prstGeom>
+                  </p:spPr>
+                  <p:style>
+                    <a:lnRef idx="2">
+                      <a:schemeClr val="accent1"/>
+                    </a:lnRef>
+                    <a:fillRef idx="0">
+                      <a:schemeClr val="accent1"/>
+                    </a:fillRef>
+                    <a:effectRef idx="1">
+                      <a:schemeClr val="accent1"/>
+                    </a:effectRef>
+                    <a:fontRef idx="minor">
+                      <a:schemeClr val="tx1"/>
+                    </a:fontRef>
+                  </p:style>
+                </p:cxnSp>
+              </p:grpSp>
+              <p:cxnSp>
+                <p:nvCxnSpPr>
+                  <p:cNvPr id="34" name="Straight Connector 33">
+                    <a:extLst>
+                      <a:ext uri="{FF2B5EF4-FFF2-40B4-BE49-F238E27FC236}">
+                        <a16:creationId xmlns:a16="http://schemas.microsoft.com/office/drawing/2014/main" id="{32A601F3-96C7-A9DC-87CB-2B43CC6BCB28}"/>
+                      </a:ext>
+                    </a:extLst>
+                  </p:cNvPr>
+                  <p:cNvCxnSpPr>
+                    <a:cxnSpLocks/>
+                  </p:cNvCxnSpPr>
+                  <p:nvPr/>
+                </p:nvCxnSpPr>
+                <p:spPr>
+                  <a:xfrm>
+                    <a:off x="1572319" y="2601336"/>
+                    <a:ext cx="4195350" cy="0"/>
+                  </a:xfrm>
+                  <a:prstGeom prst="line">
+                    <a:avLst/>
+                  </a:prstGeom>
+                </p:spPr>
+                <p:style>
+                  <a:lnRef idx="2">
+                    <a:schemeClr val="accent1"/>
+                  </a:lnRef>
+                  <a:fillRef idx="0">
+                    <a:schemeClr val="accent1"/>
+                  </a:fillRef>
+                  <a:effectRef idx="1">
+                    <a:schemeClr val="accent1"/>
+                  </a:effectRef>
+                  <a:fontRef idx="minor">
+                    <a:schemeClr val="tx1"/>
+                  </a:fontRef>
+                </p:style>
+              </p:cxnSp>
+            </p:grpSp>
+          </p:grpSp>
+          <p:sp>
+            <p:nvSpPr>
+              <p:cNvPr id="54" name="TextBox 53">
+                <a:extLst>
+                  <a:ext uri="{FF2B5EF4-FFF2-40B4-BE49-F238E27FC236}">
+                    <a16:creationId xmlns:a16="http://schemas.microsoft.com/office/drawing/2014/main" id="{0D0F86B8-1F3C-5B3E-EEDE-0C6157612026}"/>
+                  </a:ext>
+                </a:extLst>
+              </p:cNvPr>
+              <p:cNvSpPr txBox="1"/>
+              <p:nvPr/>
+            </p:nvSpPr>
+            <p:spPr>
+              <a:xfrm>
+                <a:off x="3964863" y="3332105"/>
+                <a:ext cx="1416144" cy="523220"/>
+              </a:xfrm>
+              <a:prstGeom prst="rect">
+                <a:avLst/>
+              </a:prstGeom>
+              <a:noFill/>
+            </p:spPr>
+            <p:txBody>
+              <a:bodyPr wrap="square" rtlCol="0">
+                <a:spAutoFit/>
+              </a:bodyPr>
+              <a:lstStyle/>
+              <a:p>
+                <a:r>
+                  <a:rPr lang="en-US" sz="1400" dirty="0"/>
+                  <a:t>Timeline for</a:t>
+                </a:r>
+              </a:p>
+              <a:p>
+                <a:r>
+                  <a:rPr lang="en-US" sz="1400" b="1" dirty="0"/>
+                  <a:t>Person 2</a:t>
+                </a:r>
+              </a:p>
+            </p:txBody>
+          </p:sp>
+        </p:grpSp>
+        <p:sp>
+          <p:nvSpPr>
+            <p:cNvPr id="64" name="TextBox 63">
+              <a:extLst>
+                <a:ext uri="{FF2B5EF4-FFF2-40B4-BE49-F238E27FC236}">
+                  <a16:creationId xmlns:a16="http://schemas.microsoft.com/office/drawing/2014/main" id="{C12C930B-0E40-25CF-D737-587743520E9E}"/>
+                </a:ext>
+              </a:extLst>
+            </p:cNvPr>
+            <p:cNvSpPr txBox="1"/>
+            <p:nvPr/>
+          </p:nvSpPr>
+          <p:spPr>
+            <a:xfrm>
+              <a:off x="3612643" y="2650127"/>
+              <a:ext cx="2297577" cy="369332"/>
+            </a:xfrm>
+            <a:prstGeom prst="rect">
+              <a:avLst/>
+            </a:prstGeom>
+            <a:noFill/>
+          </p:spPr>
+          <p:txBody>
+            <a:bodyPr wrap="square" rtlCol="0">
+              <a:spAutoFit/>
+            </a:bodyPr>
+            <a:lstStyle/>
+            <a:p>
+              <a:r>
+                <a:rPr lang="en-US" b="1" i="1" dirty="0">
+                  <a:solidFill>
+                    <a:schemeClr val="accent5"/>
+                  </a:solidFill>
+                </a:rPr>
+                <a:t>Transmission   time</a:t>
+              </a:r>
+            </a:p>
+          </p:txBody>
+        </p:sp>
+        <p:sp>
+          <p:nvSpPr>
+            <p:cNvPr id="66" name="TextBox 65">
+              <a:extLst>
+                <a:ext uri="{FF2B5EF4-FFF2-40B4-BE49-F238E27FC236}">
+                  <a16:creationId xmlns:a16="http://schemas.microsoft.com/office/drawing/2014/main" id="{9639ACEE-A5C1-878D-0CBB-464B5837504D}"/>
+                </a:ext>
+              </a:extLst>
+            </p:cNvPr>
+            <p:cNvSpPr txBox="1"/>
+            <p:nvPr/>
+          </p:nvSpPr>
+          <p:spPr>
+            <a:xfrm>
+              <a:off x="1137424" y="4646050"/>
+              <a:ext cx="2475219" cy="307777"/>
+            </a:xfrm>
+            <a:prstGeom prst="rect">
+              <a:avLst/>
+            </a:prstGeom>
+            <a:noFill/>
+          </p:spPr>
+          <p:txBody>
+            <a:bodyPr wrap="square" rtlCol="0">
+              <a:spAutoFit/>
+            </a:bodyPr>
+            <a:lstStyle/>
+            <a:p>
+              <a:r>
+                <a:rPr lang="en-US" sz="1400" b="1" dirty="0"/>
+                <a:t>ADDITIONAL TERMS:</a:t>
+              </a:r>
+            </a:p>
+          </p:txBody>
+        </p:sp>
+        <p:grpSp>
+          <p:nvGrpSpPr>
+            <p:cNvPr id="79" name="Group 78">
+              <a:extLst>
+                <a:ext uri="{FF2B5EF4-FFF2-40B4-BE49-F238E27FC236}">
+                  <a16:creationId xmlns:a16="http://schemas.microsoft.com/office/drawing/2014/main" id="{EEA73AAB-C73A-761F-6A9A-E51B1BB2284A}"/>
+                </a:ext>
+              </a:extLst>
+            </p:cNvPr>
+            <p:cNvGrpSpPr/>
+            <p:nvPr/>
+          </p:nvGrpSpPr>
+          <p:grpSpPr>
+            <a:xfrm>
+              <a:off x="1616866" y="5020800"/>
+              <a:ext cx="7118695" cy="538255"/>
+              <a:chOff x="1616866" y="5020800"/>
+              <a:chExt cx="7118695" cy="538255"/>
+            </a:xfrm>
+          </p:grpSpPr>
+          <p:sp>
+            <p:nvSpPr>
+              <p:cNvPr id="67" name="TextBox 66">
+                <a:extLst>
+                  <a:ext uri="{FF2B5EF4-FFF2-40B4-BE49-F238E27FC236}">
+                    <a16:creationId xmlns:a16="http://schemas.microsoft.com/office/drawing/2014/main" id="{692467FB-7EF2-8200-2588-8594987D0CB3}"/>
+                  </a:ext>
+                </a:extLst>
+              </p:cNvPr>
+              <p:cNvSpPr txBox="1"/>
+              <p:nvPr/>
+            </p:nvSpPr>
+            <p:spPr>
+              <a:xfrm>
+                <a:off x="1616866" y="5020800"/>
+                <a:ext cx="2117727" cy="523220"/>
+              </a:xfrm>
+              <a:prstGeom prst="rect">
+                <a:avLst/>
+              </a:prstGeom>
+              <a:noFill/>
+            </p:spPr>
+            <p:txBody>
+              <a:bodyPr wrap="square" rtlCol="0">
+                <a:spAutoFit/>
+              </a:bodyPr>
+              <a:lstStyle/>
+              <a:p>
+                <a:r>
+                  <a:rPr lang="en-US" sz="1400" dirty="0"/>
+                  <a:t>Date of Infection in </a:t>
+                </a:r>
+                <a:r>
+                  <a:rPr lang="en-US" sz="1400" b="1" dirty="0"/>
+                  <a:t>Person 2</a:t>
+                </a:r>
+              </a:p>
+            </p:txBody>
+          </p:sp>
+          <p:sp>
+            <p:nvSpPr>
+              <p:cNvPr id="68" name="TextBox 67">
+                <a:extLst>
+                  <a:ext uri="{FF2B5EF4-FFF2-40B4-BE49-F238E27FC236}">
+                    <a16:creationId xmlns:a16="http://schemas.microsoft.com/office/drawing/2014/main" id="{76261509-7080-028D-956D-883D999A6CE3}"/>
+                  </a:ext>
+                </a:extLst>
+              </p:cNvPr>
+              <p:cNvSpPr txBox="1"/>
+              <p:nvPr/>
+            </p:nvSpPr>
+            <p:spPr>
+              <a:xfrm>
+                <a:off x="4027425" y="5035835"/>
+                <a:ext cx="2117727" cy="523220"/>
+              </a:xfrm>
+              <a:prstGeom prst="rect">
+                <a:avLst/>
+              </a:prstGeom>
+              <a:noFill/>
+            </p:spPr>
+            <p:txBody>
+              <a:bodyPr wrap="square" rtlCol="0">
+                <a:spAutoFit/>
+              </a:bodyPr>
+              <a:lstStyle/>
+              <a:p>
+                <a:r>
+                  <a:rPr lang="en-US" sz="1400" dirty="0"/>
+                  <a:t>Date of Infection in </a:t>
+                </a:r>
+                <a:r>
+                  <a:rPr lang="en-US" sz="1400" b="1" dirty="0"/>
+                  <a:t>Person 1</a:t>
+                </a:r>
+              </a:p>
+            </p:txBody>
+          </p:sp>
+          <p:cxnSp>
+            <p:nvCxnSpPr>
+              <p:cNvPr id="69" name="Straight Connector 68">
+                <a:extLst>
+                  <a:ext uri="{FF2B5EF4-FFF2-40B4-BE49-F238E27FC236}">
+                    <a16:creationId xmlns:a16="http://schemas.microsoft.com/office/drawing/2014/main" id="{998D263F-BE8C-6F4C-10A1-1FB27B3770F2}"/>
+                  </a:ext>
+                </a:extLst>
+              </p:cNvPr>
+              <p:cNvCxnSpPr>
+                <a:cxnSpLocks/>
+              </p:cNvCxnSpPr>
+              <p:nvPr/>
+            </p:nvCxnSpPr>
+            <p:spPr>
+              <a:xfrm>
+                <a:off x="3616919" y="5259214"/>
+                <a:ext cx="205253" cy="0"/>
+              </a:xfrm>
+              <a:prstGeom prst="line">
+                <a:avLst/>
+              </a:prstGeom>
+            </p:spPr>
+            <p:style>
+              <a:lnRef idx="2">
+                <a:schemeClr val="accent1"/>
+              </a:lnRef>
+              <a:fillRef idx="0">
+                <a:schemeClr val="accent1"/>
+              </a:fillRef>
+              <a:effectRef idx="1">
+                <a:schemeClr val="accent1"/>
+              </a:effectRef>
+              <a:fontRef idx="minor">
+                <a:schemeClr val="tx1"/>
+              </a:fontRef>
+            </p:style>
+          </p:cxnSp>
+          <p:cxnSp>
+            <p:nvCxnSpPr>
+              <p:cNvPr id="75" name="Straight Connector 74">
+                <a:extLst>
+                  <a:ext uri="{FF2B5EF4-FFF2-40B4-BE49-F238E27FC236}">
+                    <a16:creationId xmlns:a16="http://schemas.microsoft.com/office/drawing/2014/main" id="{F6EF658F-9DA6-9816-6D00-7439D2D0BD00}"/>
+                  </a:ext>
+                </a:extLst>
+              </p:cNvPr>
+              <p:cNvCxnSpPr>
+                <a:cxnSpLocks/>
+              </p:cNvCxnSpPr>
+              <p:nvPr/>
+            </p:nvCxnSpPr>
+            <p:spPr>
+              <a:xfrm>
+                <a:off x="6126376" y="5225992"/>
+                <a:ext cx="205253" cy="0"/>
+              </a:xfrm>
+              <a:prstGeom prst="line">
+                <a:avLst/>
+              </a:prstGeom>
+            </p:spPr>
+            <p:style>
+              <a:lnRef idx="2">
+                <a:schemeClr val="accent1"/>
+              </a:lnRef>
+              <a:fillRef idx="0">
+                <a:schemeClr val="accent1"/>
+              </a:fillRef>
+              <a:effectRef idx="1">
+                <a:schemeClr val="accent1"/>
+              </a:effectRef>
+              <a:fontRef idx="minor">
+                <a:schemeClr val="tx1"/>
+              </a:fontRef>
+            </p:style>
+          </p:cxnSp>
+          <p:cxnSp>
+            <p:nvCxnSpPr>
+              <p:cNvPr id="76" name="Straight Connector 75">
+                <a:extLst>
+                  <a:ext uri="{FF2B5EF4-FFF2-40B4-BE49-F238E27FC236}">
+                    <a16:creationId xmlns:a16="http://schemas.microsoft.com/office/drawing/2014/main" id="{51A1DB55-AC62-9D74-5590-06DFE9F1077B}"/>
+                  </a:ext>
+                </a:extLst>
+              </p:cNvPr>
+              <p:cNvCxnSpPr>
+                <a:cxnSpLocks/>
+              </p:cNvCxnSpPr>
+              <p:nvPr/>
+            </p:nvCxnSpPr>
+            <p:spPr>
+              <a:xfrm>
+                <a:off x="6126376" y="5271321"/>
+                <a:ext cx="205253" cy="0"/>
+              </a:xfrm>
+              <a:prstGeom prst="line">
+                <a:avLst/>
+              </a:prstGeom>
+            </p:spPr>
+            <p:style>
+              <a:lnRef idx="2">
+                <a:schemeClr val="accent1"/>
+              </a:lnRef>
+              <a:fillRef idx="0">
+                <a:schemeClr val="accent1"/>
+              </a:fillRef>
+              <a:effectRef idx="1">
+                <a:schemeClr val="accent1"/>
+              </a:effectRef>
+              <a:fontRef idx="minor">
+                <a:schemeClr val="tx1"/>
+              </a:fontRef>
+            </p:style>
+          </p:cxnSp>
+          <p:sp>
+            <p:nvSpPr>
+              <p:cNvPr id="78" name="TextBox 77">
+                <a:extLst>
+                  <a:ext uri="{FF2B5EF4-FFF2-40B4-BE49-F238E27FC236}">
+                    <a16:creationId xmlns:a16="http://schemas.microsoft.com/office/drawing/2014/main" id="{A0489972-72E1-C1AD-400D-01D87F4FD660}"/>
+                  </a:ext>
+                </a:extLst>
+              </p:cNvPr>
+              <p:cNvSpPr txBox="1"/>
+              <p:nvPr/>
+            </p:nvSpPr>
+            <p:spPr>
+              <a:xfrm>
+                <a:off x="6437984" y="5074548"/>
+                <a:ext cx="2297577" cy="369332"/>
+              </a:xfrm>
+              <a:prstGeom prst="rect">
+                <a:avLst/>
+              </a:prstGeom>
+              <a:noFill/>
+            </p:spPr>
+            <p:txBody>
+              <a:bodyPr wrap="square" rtlCol="0">
+                <a:spAutoFit/>
+              </a:bodyPr>
+              <a:lstStyle/>
+              <a:p>
+                <a:r>
+                  <a:rPr lang="en-US" b="1" i="1" dirty="0">
+                    <a:solidFill>
+                      <a:schemeClr val="accent5"/>
+                    </a:solidFill>
+                  </a:rPr>
+                  <a:t>Generation interval</a:t>
+                </a:r>
+              </a:p>
+            </p:txBody>
+          </p:sp>
+        </p:grpSp>
+        <p:grpSp>
+          <p:nvGrpSpPr>
+            <p:cNvPr id="80" name="Group 79">
+              <a:extLst>
+                <a:ext uri="{FF2B5EF4-FFF2-40B4-BE49-F238E27FC236}">
+                  <a16:creationId xmlns:a16="http://schemas.microsoft.com/office/drawing/2014/main" id="{BC985F7A-D1C8-206B-395E-581747774C04}"/>
+                </a:ext>
+              </a:extLst>
+            </p:cNvPr>
+            <p:cNvGrpSpPr/>
+            <p:nvPr/>
+          </p:nvGrpSpPr>
+          <p:grpSpPr>
+            <a:xfrm>
+              <a:off x="1616866" y="5691951"/>
+              <a:ext cx="7118695" cy="538255"/>
+              <a:chOff x="1616866" y="5020800"/>
+              <a:chExt cx="7118695" cy="538255"/>
+            </a:xfrm>
+          </p:grpSpPr>
+          <p:sp>
+            <p:nvSpPr>
+              <p:cNvPr id="81" name="TextBox 80">
+                <a:extLst>
+                  <a:ext uri="{FF2B5EF4-FFF2-40B4-BE49-F238E27FC236}">
+                    <a16:creationId xmlns:a16="http://schemas.microsoft.com/office/drawing/2014/main" id="{FE0A75B7-5B56-E572-F977-3E721E4C4BE7}"/>
+                  </a:ext>
+                </a:extLst>
+              </p:cNvPr>
+              <p:cNvSpPr txBox="1"/>
+              <p:nvPr/>
+            </p:nvSpPr>
+            <p:spPr>
+              <a:xfrm>
+                <a:off x="1616866" y="5020800"/>
+                <a:ext cx="2117727" cy="523220"/>
+              </a:xfrm>
+              <a:prstGeom prst="rect">
+                <a:avLst/>
+              </a:prstGeom>
+              <a:noFill/>
+            </p:spPr>
+            <p:txBody>
+              <a:bodyPr wrap="square" rtlCol="0">
+                <a:spAutoFit/>
+              </a:bodyPr>
+              <a:lstStyle/>
+              <a:p>
+                <a:r>
+                  <a:rPr lang="en-US" sz="1400" dirty="0"/>
+                  <a:t>Date of symptom onset in </a:t>
+                </a:r>
+                <a:r>
+                  <a:rPr lang="en-US" sz="1400" b="1" dirty="0"/>
+                  <a:t>Person 2</a:t>
+                </a:r>
+              </a:p>
+            </p:txBody>
+          </p:sp>
+          <p:sp>
+            <p:nvSpPr>
+              <p:cNvPr id="82" name="TextBox 81">
+                <a:extLst>
+                  <a:ext uri="{FF2B5EF4-FFF2-40B4-BE49-F238E27FC236}">
+                    <a16:creationId xmlns:a16="http://schemas.microsoft.com/office/drawing/2014/main" id="{33F6CF64-0A8A-6640-7341-5BE856EF8DAE}"/>
+                  </a:ext>
+                </a:extLst>
+              </p:cNvPr>
+              <p:cNvSpPr txBox="1"/>
+              <p:nvPr/>
+            </p:nvSpPr>
+            <p:spPr>
+              <a:xfrm>
+                <a:off x="4027425" y="5035835"/>
+                <a:ext cx="2117727" cy="523220"/>
+              </a:xfrm>
+              <a:prstGeom prst="rect">
+                <a:avLst/>
+              </a:prstGeom>
+              <a:noFill/>
+            </p:spPr>
+            <p:txBody>
+              <a:bodyPr wrap="square" rtlCol="0">
+                <a:spAutoFit/>
+              </a:bodyPr>
+              <a:lstStyle/>
+              <a:p>
+                <a:r>
+                  <a:rPr lang="en-US" sz="1400" dirty="0"/>
+                  <a:t>Date of symptom onset in </a:t>
+                </a:r>
+                <a:r>
+                  <a:rPr lang="en-US" sz="1400" b="1" dirty="0"/>
+                  <a:t>Person 1</a:t>
+                </a:r>
+              </a:p>
+            </p:txBody>
+          </p:sp>
+          <p:cxnSp>
+            <p:nvCxnSpPr>
+              <p:cNvPr id="83" name="Straight Connector 82">
+                <a:extLst>
+                  <a:ext uri="{FF2B5EF4-FFF2-40B4-BE49-F238E27FC236}">
+                    <a16:creationId xmlns:a16="http://schemas.microsoft.com/office/drawing/2014/main" id="{40509100-EA92-BBCD-5CB2-69579426F890}"/>
+                  </a:ext>
+                </a:extLst>
+              </p:cNvPr>
+              <p:cNvCxnSpPr>
+                <a:cxnSpLocks/>
+              </p:cNvCxnSpPr>
+              <p:nvPr/>
+            </p:nvCxnSpPr>
+            <p:spPr>
+              <a:xfrm>
+                <a:off x="3616919" y="5259214"/>
+                <a:ext cx="205253" cy="0"/>
+              </a:xfrm>
+              <a:prstGeom prst="line">
+                <a:avLst/>
+              </a:prstGeom>
+            </p:spPr>
+            <p:style>
+              <a:lnRef idx="2">
+                <a:schemeClr val="accent1"/>
+              </a:lnRef>
+              <a:fillRef idx="0">
+                <a:schemeClr val="accent1"/>
+              </a:fillRef>
+              <a:effectRef idx="1">
+                <a:schemeClr val="accent1"/>
+              </a:effectRef>
+              <a:fontRef idx="minor">
+                <a:schemeClr val="tx1"/>
+              </a:fontRef>
+            </p:style>
+          </p:cxnSp>
+          <p:cxnSp>
+            <p:nvCxnSpPr>
+              <p:cNvPr id="84" name="Straight Connector 83">
+                <a:extLst>
+                  <a:ext uri="{FF2B5EF4-FFF2-40B4-BE49-F238E27FC236}">
+                    <a16:creationId xmlns:a16="http://schemas.microsoft.com/office/drawing/2014/main" id="{2F1F0F81-1D74-0D35-99DD-C97DF41402B0}"/>
+                  </a:ext>
+                </a:extLst>
+              </p:cNvPr>
+              <p:cNvCxnSpPr>
+                <a:cxnSpLocks/>
+              </p:cNvCxnSpPr>
+              <p:nvPr/>
+            </p:nvCxnSpPr>
+            <p:spPr>
+              <a:xfrm>
+                <a:off x="6134689" y="5225992"/>
+                <a:ext cx="205253" cy="0"/>
+              </a:xfrm>
+              <a:prstGeom prst="line">
+                <a:avLst/>
+              </a:prstGeom>
+            </p:spPr>
+            <p:style>
+              <a:lnRef idx="2">
+                <a:schemeClr val="accent1"/>
+              </a:lnRef>
+              <a:fillRef idx="0">
+                <a:schemeClr val="accent1"/>
+              </a:fillRef>
+              <a:effectRef idx="1">
+                <a:schemeClr val="accent1"/>
+              </a:effectRef>
+              <a:fontRef idx="minor">
+                <a:schemeClr val="tx1"/>
+              </a:fontRef>
+            </p:style>
+          </p:cxnSp>
+          <p:cxnSp>
+            <p:nvCxnSpPr>
+              <p:cNvPr id="85" name="Straight Connector 84">
+                <a:extLst>
+                  <a:ext uri="{FF2B5EF4-FFF2-40B4-BE49-F238E27FC236}">
+                    <a16:creationId xmlns:a16="http://schemas.microsoft.com/office/drawing/2014/main" id="{B82ADD59-C359-852F-D842-FFA48CEE12F8}"/>
+                  </a:ext>
+                </a:extLst>
+              </p:cNvPr>
+              <p:cNvCxnSpPr>
+                <a:cxnSpLocks/>
+              </p:cNvCxnSpPr>
+              <p:nvPr/>
+            </p:nvCxnSpPr>
+            <p:spPr>
+              <a:xfrm>
+                <a:off x="6134689" y="5271321"/>
+                <a:ext cx="205253" cy="0"/>
+              </a:xfrm>
+              <a:prstGeom prst="line">
+                <a:avLst/>
+              </a:prstGeom>
+            </p:spPr>
+            <p:style>
+              <a:lnRef idx="2">
+                <a:schemeClr val="accent1"/>
+              </a:lnRef>
+              <a:fillRef idx="0">
+                <a:schemeClr val="accent1"/>
+              </a:fillRef>
+              <a:effectRef idx="1">
+                <a:schemeClr val="accent1"/>
+              </a:effectRef>
+              <a:fontRef idx="minor">
+                <a:schemeClr val="tx1"/>
+              </a:fontRef>
+            </p:style>
+          </p:cxnSp>
+          <p:sp>
+            <p:nvSpPr>
+              <p:cNvPr id="86" name="TextBox 85">
+                <a:extLst>
+                  <a:ext uri="{FF2B5EF4-FFF2-40B4-BE49-F238E27FC236}">
+                    <a16:creationId xmlns:a16="http://schemas.microsoft.com/office/drawing/2014/main" id="{7C1C1FB2-D861-F91F-5B94-379C7ED9BBC6}"/>
+                  </a:ext>
+                </a:extLst>
+              </p:cNvPr>
+              <p:cNvSpPr txBox="1"/>
+              <p:nvPr/>
+            </p:nvSpPr>
+            <p:spPr>
+              <a:xfrm>
+                <a:off x="6437984" y="5074548"/>
+                <a:ext cx="2297577" cy="369332"/>
+              </a:xfrm>
+              <a:prstGeom prst="rect">
+                <a:avLst/>
+              </a:prstGeom>
+              <a:noFill/>
+            </p:spPr>
+            <p:txBody>
+              <a:bodyPr wrap="square" rtlCol="0">
+                <a:spAutoFit/>
+              </a:bodyPr>
+              <a:lstStyle/>
+              <a:p>
+                <a:r>
+                  <a:rPr lang="en-US" b="1" i="1" dirty="0">
+                    <a:solidFill>
+                      <a:schemeClr val="accent5"/>
+                    </a:solidFill>
+                  </a:rPr>
+                  <a:t>Serial interval</a:t>
+                </a:r>
+              </a:p>
+            </p:txBody>
+          </p:sp>
+        </p:grpSp>
+      </p:grpSp>
+    </p:spTree>
+    <p:extLst>
+      <p:ext uri="{BB962C8B-B14F-4D97-AF65-F5344CB8AC3E}">
+        <p14:creationId xmlns:p14="http://schemas.microsoft.com/office/powerpoint/2010/main" val="1457329633"/>
+      </p:ext>
+    </p:extLst>
+  </p:cSld>
+  <p:clrMapOvr>
+    <a:masterClrMapping/>
+  </p:clrMapOvr>
+</p:sld>
+</file>
+
+<file path=ppt/slides/slide4.xml><?xml version="1.0" encoding="utf-8"?>
+<p:sld xmlns:a="http://schemas.openxmlformats.org/drawingml/2006/main" xmlns:r="http://schemas.openxmlformats.org/officeDocument/2006/relationships" xmlns:p="http://schemas.openxmlformats.org/presentationml/2006/main">
+  <p:cSld>
+    <p:spTree>
+      <p:nvGrpSpPr>
+        <p:cNvPr id="1" name="">
+          <a:extLst>
+            <a:ext uri="{FF2B5EF4-FFF2-40B4-BE49-F238E27FC236}">
+              <a16:creationId xmlns:a16="http://schemas.microsoft.com/office/drawing/2014/main" id="{3F69F97C-DDFA-DB87-DC99-E575468DD3C6}"/>
+            </a:ext>
+          </a:extLst>
+        </p:cNvPr>
+        <p:cNvGrpSpPr/>
+        <p:nvPr/>
+      </p:nvGrpSpPr>
+      <p:grpSpPr>
+        <a:xfrm>
+          <a:off x="0" y="0"/>
+          <a:ext cx="0" cy="0"/>
+          <a:chOff x="0" y="0"/>
+          <a:chExt cx="0" cy="0"/>
+        </a:xfrm>
+      </p:grpSpPr>
+      <p:grpSp>
+        <p:nvGrpSpPr>
+          <p:cNvPr id="6" name="Group 5">
+            <a:extLst>
+              <a:ext uri="{FF2B5EF4-FFF2-40B4-BE49-F238E27FC236}">
+                <a16:creationId xmlns:a16="http://schemas.microsoft.com/office/drawing/2014/main" id="{7B90EF61-9CED-C063-F6A3-D41BBB256547}"/>
+              </a:ext>
+            </a:extLst>
+          </p:cNvPr>
+          <p:cNvGrpSpPr/>
+          <p:nvPr/>
+        </p:nvGrpSpPr>
+        <p:grpSpPr>
+          <a:xfrm>
+            <a:off x="1616866" y="832267"/>
+            <a:ext cx="3794126" cy="1579557"/>
+            <a:chOff x="1616866" y="832267"/>
+            <a:chExt cx="3794126" cy="1579557"/>
+          </a:xfrm>
+        </p:grpSpPr>
+        <p:sp>
+          <p:nvSpPr>
+            <p:cNvPr id="25" name="TextBox 24">
+              <a:extLst>
+                <a:ext uri="{FF2B5EF4-FFF2-40B4-BE49-F238E27FC236}">
+                  <a16:creationId xmlns:a16="http://schemas.microsoft.com/office/drawing/2014/main" id="{759A1D3C-4F2D-D898-4C4D-DC555D8217CC}"/>
+                </a:ext>
+              </a:extLst>
+            </p:cNvPr>
+            <p:cNvSpPr txBox="1"/>
+            <p:nvPr/>
+          </p:nvSpPr>
+          <p:spPr>
+            <a:xfrm>
+              <a:off x="2388324" y="832267"/>
+              <a:ext cx="1905665" cy="369332"/>
+            </a:xfrm>
+            <a:prstGeom prst="rect">
+              <a:avLst/>
+            </a:prstGeom>
+            <a:noFill/>
+          </p:spPr>
+          <p:txBody>
+            <a:bodyPr wrap="square" rtlCol="0">
+              <a:spAutoFit/>
+            </a:bodyPr>
+            <a:lstStyle/>
+            <a:p>
+              <a:r>
+                <a:rPr lang="en-US" b="1" i="1" dirty="0">
+                  <a:solidFill>
+                    <a:schemeClr val="accent5"/>
+                  </a:solidFill>
+                </a:rPr>
+                <a:t>Incubation time</a:t>
+              </a:r>
+            </a:p>
+          </p:txBody>
+        </p:sp>
+        <p:sp>
+          <p:nvSpPr>
+            <p:cNvPr id="5" name="Rounded Rectangle 4">
+              <a:extLst>
+                <a:ext uri="{FF2B5EF4-FFF2-40B4-BE49-F238E27FC236}">
+                  <a16:creationId xmlns:a16="http://schemas.microsoft.com/office/drawing/2014/main" id="{EC9E4E57-A91B-8A82-9597-9C8A51280B65}"/>
+                </a:ext>
+              </a:extLst>
+            </p:cNvPr>
+            <p:cNvSpPr/>
+            <p:nvPr/>
+          </p:nvSpPr>
+          <p:spPr>
+            <a:xfrm>
+              <a:off x="1616866" y="1552646"/>
+              <a:ext cx="1245154" cy="685605"/>
+            </a:xfrm>
+            <a:prstGeom prst="roundRect">
+              <a:avLst/>
+            </a:prstGeom>
+            <a:ln>
+              <a:noFill/>
+            </a:ln>
+          </p:spPr>
+          <p:style>
+            <a:lnRef idx="2">
+              <a:schemeClr val="dk1"/>
+            </a:lnRef>
+            <a:fillRef idx="1">
+              <a:schemeClr val="lt1"/>
+            </a:fillRef>
+            <a:effectRef idx="0">
+              <a:schemeClr val="dk1"/>
+            </a:effectRef>
+            <a:fontRef idx="minor">
+              <a:schemeClr val="dk1"/>
+            </a:fontRef>
+          </p:style>
+          <p:txBody>
+            <a:bodyPr rtlCol="0" anchor="ctr"/>
+            <a:lstStyle/>
+            <a:p>
+              <a:pPr algn="ctr"/>
+              <a:r>
+                <a:rPr lang="en-US" sz="1400" dirty="0"/>
+                <a:t>Infection</a:t>
+              </a:r>
+            </a:p>
+          </p:txBody>
+        </p:sp>
+        <p:sp>
+          <p:nvSpPr>
+            <p:cNvPr id="7" name="Rounded Rectangle 6">
+              <a:extLst>
+                <a:ext uri="{FF2B5EF4-FFF2-40B4-BE49-F238E27FC236}">
+                  <a16:creationId xmlns:a16="http://schemas.microsoft.com/office/drawing/2014/main" id="{87EBD5F6-ABB8-930D-AF5C-C4247B5AF493}"/>
+                </a:ext>
+              </a:extLst>
+            </p:cNvPr>
+            <p:cNvSpPr/>
+            <p:nvPr/>
+          </p:nvSpPr>
+          <p:spPr>
+            <a:xfrm>
+              <a:off x="3734593" y="1642391"/>
+              <a:ext cx="1676399" cy="769433"/>
+            </a:xfrm>
+            <a:prstGeom prst="roundRect">
+              <a:avLst/>
+            </a:prstGeom>
+            <a:ln>
+              <a:noFill/>
+            </a:ln>
+          </p:spPr>
+          <p:style>
+            <a:lnRef idx="2">
+              <a:schemeClr val="dk1"/>
+            </a:lnRef>
+            <a:fillRef idx="1">
+              <a:schemeClr val="lt1"/>
+            </a:fillRef>
+            <a:effectRef idx="0">
+              <a:schemeClr val="dk1"/>
+            </a:effectRef>
+            <a:fontRef idx="minor">
+              <a:schemeClr val="dk1"/>
+            </a:fontRef>
+          </p:style>
+          <p:txBody>
+            <a:bodyPr rtlCol="0" anchor="ctr"/>
+            <a:lstStyle/>
+            <a:p>
+              <a:pPr algn="ctr"/>
+              <a:r>
+                <a:rPr lang="en-US" sz="1400" dirty="0"/>
+                <a:t>Symptom onset / </a:t>
+              </a:r>
+            </a:p>
+            <a:p>
+              <a:pPr algn="ctr"/>
+              <a:r>
+                <a:rPr lang="en-US" sz="1400" dirty="0"/>
+                <a:t>Ability to infect others</a:t>
+              </a:r>
+            </a:p>
+          </p:txBody>
+        </p:sp>
+        <p:grpSp>
+          <p:nvGrpSpPr>
+            <p:cNvPr id="17" name="Group 16">
+              <a:extLst>
+                <a:ext uri="{FF2B5EF4-FFF2-40B4-BE49-F238E27FC236}">
+                  <a16:creationId xmlns:a16="http://schemas.microsoft.com/office/drawing/2014/main" id="{B0B5D61D-F83D-492F-D316-A114ABFC7CE2}"/>
+                </a:ext>
+              </a:extLst>
+            </p:cNvPr>
+            <p:cNvGrpSpPr/>
+            <p:nvPr/>
+          </p:nvGrpSpPr>
+          <p:grpSpPr>
+            <a:xfrm>
+              <a:off x="2207939" y="1227958"/>
+              <a:ext cx="2313938" cy="276289"/>
+              <a:chOff x="1572319" y="2463192"/>
+              <a:chExt cx="2313938" cy="276289"/>
+            </a:xfrm>
+          </p:grpSpPr>
+          <p:cxnSp>
+            <p:nvCxnSpPr>
+              <p:cNvPr id="3" name="Straight Connector 2">
+                <a:extLst>
+                  <a:ext uri="{FF2B5EF4-FFF2-40B4-BE49-F238E27FC236}">
+                    <a16:creationId xmlns:a16="http://schemas.microsoft.com/office/drawing/2014/main" id="{86789196-5E82-AB51-855F-ED9E068249D3}"/>
+                  </a:ext>
+                </a:extLst>
+              </p:cNvPr>
+              <p:cNvCxnSpPr>
+                <a:cxnSpLocks/>
+              </p:cNvCxnSpPr>
+              <p:nvPr/>
+            </p:nvCxnSpPr>
+            <p:spPr>
+              <a:xfrm>
+                <a:off x="1572319" y="2463192"/>
+                <a:ext cx="0" cy="276289"/>
+              </a:xfrm>
+              <a:prstGeom prst="line">
+                <a:avLst/>
+              </a:prstGeom>
+            </p:spPr>
+            <p:style>
+              <a:lnRef idx="2">
+                <a:schemeClr val="accent1"/>
+              </a:lnRef>
+              <a:fillRef idx="0">
+                <a:schemeClr val="accent1"/>
+              </a:fillRef>
+              <a:effectRef idx="1">
+                <a:schemeClr val="accent1"/>
+              </a:effectRef>
+              <a:fontRef idx="minor">
+                <a:schemeClr val="tx1"/>
+              </a:fontRef>
+            </p:style>
+          </p:cxnSp>
+          <p:cxnSp>
+            <p:nvCxnSpPr>
+              <p:cNvPr id="13" name="Straight Connector 12">
+                <a:extLst>
+                  <a:ext uri="{FF2B5EF4-FFF2-40B4-BE49-F238E27FC236}">
+                    <a16:creationId xmlns:a16="http://schemas.microsoft.com/office/drawing/2014/main" id="{07DD38F7-5A19-FD15-E340-D080AB3A6E64}"/>
+                  </a:ext>
+                </a:extLst>
+              </p:cNvPr>
+              <p:cNvCxnSpPr>
+                <a:cxnSpLocks/>
+              </p:cNvCxnSpPr>
+              <p:nvPr/>
+            </p:nvCxnSpPr>
+            <p:spPr>
+              <a:xfrm>
+                <a:off x="3886257" y="2463192"/>
+                <a:ext cx="0" cy="276289"/>
+              </a:xfrm>
+              <a:prstGeom prst="line">
+                <a:avLst/>
+              </a:prstGeom>
+            </p:spPr>
+            <p:style>
+              <a:lnRef idx="2">
+                <a:schemeClr val="accent1"/>
+              </a:lnRef>
+              <a:fillRef idx="0">
+                <a:schemeClr val="accent1"/>
+              </a:fillRef>
+              <a:effectRef idx="1">
+                <a:schemeClr val="accent1"/>
+              </a:effectRef>
+              <a:fontRef idx="minor">
+                <a:schemeClr val="tx1"/>
+              </a:fontRef>
+            </p:style>
+          </p:cxnSp>
+        </p:grpSp>
+        <p:cxnSp>
+          <p:nvCxnSpPr>
+            <p:cNvPr id="19" name="Straight Connector 18">
+              <a:extLst>
+                <a:ext uri="{FF2B5EF4-FFF2-40B4-BE49-F238E27FC236}">
+                  <a16:creationId xmlns:a16="http://schemas.microsoft.com/office/drawing/2014/main" id="{44429A8D-8C80-A0B8-FFBA-B0CDE2435C64}"/>
+                </a:ext>
+              </a:extLst>
+            </p:cNvPr>
+            <p:cNvCxnSpPr>
+              <a:cxnSpLocks/>
+            </p:cNvCxnSpPr>
+            <p:nvPr/>
+          </p:nvCxnSpPr>
+          <p:spPr>
+            <a:xfrm>
+              <a:off x="2207939" y="1366102"/>
+              <a:ext cx="2488047" cy="0"/>
+            </a:xfrm>
+            <a:prstGeom prst="line">
+              <a:avLst/>
+            </a:prstGeom>
+          </p:spPr>
+          <p:style>
+            <a:lnRef idx="2">
+              <a:schemeClr val="accent1"/>
+            </a:lnRef>
+            <a:fillRef idx="0">
+              <a:schemeClr val="accent1"/>
+            </a:fillRef>
+            <a:effectRef idx="1">
+              <a:schemeClr val="accent1"/>
+            </a:effectRef>
+            <a:fontRef idx="minor">
+              <a:schemeClr val="tx1"/>
+            </a:fontRef>
+          </p:style>
+        </p:cxnSp>
+      </p:grpSp>
+    </p:spTree>
+    <p:extLst>
+      <p:ext uri="{BB962C8B-B14F-4D97-AF65-F5344CB8AC3E}">
+        <p14:creationId xmlns:p14="http://schemas.microsoft.com/office/powerpoint/2010/main" val="643003586"/>
+      </p:ext>
+    </p:extLst>
+  </p:cSld>
+  <p:clrMapOvr>
+    <a:masterClrMapping/>
+  </p:clrMapOvr>
+</p:sld>
+</file>
+
+<file path=ppt/slides/slide5.xml><?xml version="1.0" encoding="utf-8"?>
+<p:sld xmlns:a="http://schemas.openxmlformats.org/drawingml/2006/main" xmlns:r="http://schemas.openxmlformats.org/officeDocument/2006/relationships" xmlns:p="http://schemas.openxmlformats.org/presentationml/2006/main">
+  <p:cSld>
+    <p:spTree>
+      <p:nvGrpSpPr>
+        <p:cNvPr id="1" name="">
+          <a:extLst>
+            <a:ext uri="{FF2B5EF4-FFF2-40B4-BE49-F238E27FC236}">
+              <a16:creationId xmlns:a16="http://schemas.microsoft.com/office/drawing/2014/main" id="{C35A974E-142C-8192-D145-9F5FDB76A667}"/>
+            </a:ext>
+          </a:extLst>
+        </p:cNvPr>
+        <p:cNvGrpSpPr/>
+        <p:nvPr/>
+      </p:nvGrpSpPr>
+      <p:grpSpPr>
+        <a:xfrm>
+          <a:off x="0" y="0"/>
+          <a:ext cx="0" cy="0"/>
+          <a:chOff x="0" y="0"/>
+          <a:chExt cx="0" cy="0"/>
+        </a:xfrm>
+      </p:grpSpPr>
+      <p:grpSp>
+        <p:nvGrpSpPr>
+          <p:cNvPr id="18" name="Group 17">
+            <a:extLst>
+              <a:ext uri="{FF2B5EF4-FFF2-40B4-BE49-F238E27FC236}">
+                <a16:creationId xmlns:a16="http://schemas.microsoft.com/office/drawing/2014/main" id="{EC6E020A-254B-B4D4-60F8-0FF068D0F0E6}"/>
+              </a:ext>
+            </a:extLst>
+          </p:cNvPr>
+          <p:cNvGrpSpPr/>
+          <p:nvPr/>
+        </p:nvGrpSpPr>
+        <p:grpSpPr>
+          <a:xfrm>
+            <a:off x="2471205" y="1073592"/>
+            <a:ext cx="4488993" cy="3353606"/>
+            <a:chOff x="2471205" y="1073592"/>
+            <a:chExt cx="4488993" cy="3353606"/>
+          </a:xfrm>
+        </p:grpSpPr>
+        <p:cxnSp>
+          <p:nvCxnSpPr>
+            <p:cNvPr id="61" name="Straight Connector 60">
+              <a:extLst>
+                <a:ext uri="{FF2B5EF4-FFF2-40B4-BE49-F238E27FC236}">
+                  <a16:creationId xmlns:a16="http://schemas.microsoft.com/office/drawing/2014/main" id="{93C7A0FB-94F5-2085-9B3B-310E6313235E}"/>
+                </a:ext>
+              </a:extLst>
+            </p:cNvPr>
+            <p:cNvCxnSpPr>
+              <a:cxnSpLocks/>
+            </p:cNvCxnSpPr>
+            <p:nvPr/>
+          </p:nvCxnSpPr>
+          <p:spPr>
+            <a:xfrm>
+              <a:off x="4521877" y="1366102"/>
+              <a:ext cx="1000698" cy="2324508"/>
+            </a:xfrm>
+            <a:prstGeom prst="line">
+              <a:avLst/>
+            </a:prstGeom>
+            <a:ln>
+              <a:solidFill>
+                <a:schemeClr val="accent5"/>
+              </a:solidFill>
+              <a:prstDash val="dash"/>
+            </a:ln>
+          </p:spPr>
+          <p:style>
+            <a:lnRef idx="2">
+              <a:schemeClr val="accent1"/>
+            </a:lnRef>
+            <a:fillRef idx="0">
+              <a:schemeClr val="accent1"/>
+            </a:fillRef>
+            <a:effectRef idx="1">
+              <a:schemeClr val="accent1"/>
+            </a:effectRef>
+            <a:fontRef idx="minor">
+              <a:schemeClr val="tx1"/>
+            </a:fontRef>
+          </p:style>
+        </p:cxnSp>
+        <p:sp>
+          <p:nvSpPr>
+            <p:cNvPr id="7" name="Rounded Rectangle 6">
+              <a:extLst>
+                <a:ext uri="{FF2B5EF4-FFF2-40B4-BE49-F238E27FC236}">
+                  <a16:creationId xmlns:a16="http://schemas.microsoft.com/office/drawing/2014/main" id="{9FD6A8C2-E4F9-EC5A-1DBE-96F1CCD0FA1C}"/>
+                </a:ext>
+              </a:extLst>
+            </p:cNvPr>
+            <p:cNvSpPr/>
+            <p:nvPr/>
+          </p:nvSpPr>
+          <p:spPr>
+            <a:xfrm>
+              <a:off x="3734593" y="1642391"/>
+              <a:ext cx="1676399" cy="769433"/>
+            </a:xfrm>
+            <a:prstGeom prst="roundRect">
+              <a:avLst/>
+            </a:prstGeom>
+            <a:ln>
+              <a:noFill/>
+            </a:ln>
+          </p:spPr>
+          <p:style>
+            <a:lnRef idx="2">
+              <a:schemeClr val="dk1"/>
+            </a:lnRef>
+            <a:fillRef idx="1">
+              <a:schemeClr val="lt1"/>
+            </a:fillRef>
+            <a:effectRef idx="0">
+              <a:schemeClr val="dk1"/>
+            </a:effectRef>
+            <a:fontRef idx="minor">
+              <a:schemeClr val="dk1"/>
+            </a:fontRef>
+          </p:style>
+          <p:txBody>
+            <a:bodyPr rtlCol="0" anchor="ctr"/>
+            <a:lstStyle/>
+            <a:p>
+              <a:pPr algn="ctr"/>
+              <a:r>
+                <a:rPr lang="en-US" sz="1400" dirty="0"/>
+                <a:t>Symptom onset / </a:t>
+              </a:r>
+            </a:p>
+            <a:p>
+              <a:pPr algn="ctr"/>
+              <a:r>
+                <a:rPr lang="en-US" sz="1400" dirty="0"/>
+                <a:t>Ability to infect others</a:t>
+              </a:r>
+            </a:p>
+          </p:txBody>
+        </p:sp>
+        <p:sp>
+          <p:nvSpPr>
+            <p:cNvPr id="53" name="TextBox 52">
+              <a:extLst>
+                <a:ext uri="{FF2B5EF4-FFF2-40B4-BE49-F238E27FC236}">
+                  <a16:creationId xmlns:a16="http://schemas.microsoft.com/office/drawing/2014/main" id="{47F1CFC9-C65D-4373-4D3D-71457D1004A0}"/>
+                </a:ext>
+              </a:extLst>
+            </p:cNvPr>
+            <p:cNvSpPr txBox="1"/>
+            <p:nvPr/>
+          </p:nvSpPr>
+          <p:spPr>
+            <a:xfrm>
+              <a:off x="2471205" y="1073592"/>
+              <a:ext cx="1416144" cy="523220"/>
+            </a:xfrm>
+            <a:prstGeom prst="rect">
+              <a:avLst/>
+            </a:prstGeom>
+            <a:noFill/>
+          </p:spPr>
+          <p:txBody>
+            <a:bodyPr wrap="square" rtlCol="0">
+              <a:spAutoFit/>
+            </a:bodyPr>
+            <a:lstStyle/>
+            <a:p>
+              <a:r>
+                <a:rPr lang="en-US" sz="1400" dirty="0"/>
+                <a:t>Timeline for</a:t>
+              </a:r>
+            </a:p>
+            <a:p>
+              <a:r>
+                <a:rPr lang="en-US" sz="1400" b="1" dirty="0"/>
+                <a:t>Person 1</a:t>
+              </a:r>
+            </a:p>
+          </p:txBody>
+        </p:sp>
+        <p:sp>
+          <p:nvSpPr>
+            <p:cNvPr id="28" name="Rounded Rectangle 27">
+              <a:extLst>
+                <a:ext uri="{FF2B5EF4-FFF2-40B4-BE49-F238E27FC236}">
+                  <a16:creationId xmlns:a16="http://schemas.microsoft.com/office/drawing/2014/main" id="{8B699EFC-3789-5C48-CC08-84432262ABF2}"/>
+                </a:ext>
+              </a:extLst>
+            </p:cNvPr>
+            <p:cNvSpPr/>
+            <p:nvPr/>
+          </p:nvSpPr>
+          <p:spPr>
+            <a:xfrm>
+              <a:off x="4899998" y="3741593"/>
+              <a:ext cx="1245154" cy="685605"/>
+            </a:xfrm>
+            <a:prstGeom prst="roundRect">
+              <a:avLst/>
+            </a:prstGeom>
+            <a:ln>
+              <a:noFill/>
+            </a:ln>
+          </p:spPr>
+          <p:style>
+            <a:lnRef idx="2">
+              <a:schemeClr val="dk1"/>
+            </a:lnRef>
+            <a:fillRef idx="1">
+              <a:schemeClr val="lt1"/>
+            </a:fillRef>
+            <a:effectRef idx="0">
+              <a:schemeClr val="dk1"/>
+            </a:effectRef>
+            <a:fontRef idx="minor">
+              <a:schemeClr val="dk1"/>
+            </a:fontRef>
+          </p:style>
+          <p:txBody>
+            <a:bodyPr rtlCol="0" anchor="ctr"/>
+            <a:lstStyle/>
+            <a:p>
+              <a:pPr algn="ctr"/>
+              <a:r>
+                <a:rPr lang="en-US" sz="1400" dirty="0"/>
+                <a:t>Infection</a:t>
+              </a:r>
+            </a:p>
+          </p:txBody>
+        </p:sp>
+        <p:cxnSp>
+          <p:nvCxnSpPr>
+            <p:cNvPr id="35" name="Straight Connector 34">
+              <a:extLst>
+                <a:ext uri="{FF2B5EF4-FFF2-40B4-BE49-F238E27FC236}">
+                  <a16:creationId xmlns:a16="http://schemas.microsoft.com/office/drawing/2014/main" id="{23F51BD2-F235-FAE4-4BAD-1ED53B4E48F9}"/>
+                </a:ext>
+              </a:extLst>
+            </p:cNvPr>
+            <p:cNvCxnSpPr>
+              <a:cxnSpLocks/>
+            </p:cNvCxnSpPr>
+            <p:nvPr/>
+          </p:nvCxnSpPr>
+          <p:spPr>
+            <a:xfrm>
+              <a:off x="5528513" y="3552466"/>
+              <a:ext cx="0" cy="276289"/>
+            </a:xfrm>
+            <a:prstGeom prst="line">
+              <a:avLst/>
+            </a:prstGeom>
+          </p:spPr>
+          <p:style>
+            <a:lnRef idx="2">
+              <a:schemeClr val="accent1"/>
+            </a:lnRef>
+            <a:fillRef idx="0">
+              <a:schemeClr val="accent1"/>
+            </a:fillRef>
+            <a:effectRef idx="1">
+              <a:schemeClr val="accent1"/>
+            </a:effectRef>
+            <a:fontRef idx="minor">
+              <a:schemeClr val="tx1"/>
+            </a:fontRef>
+          </p:style>
+        </p:cxnSp>
+        <p:cxnSp>
+          <p:nvCxnSpPr>
+            <p:cNvPr id="34" name="Straight Connector 33">
+              <a:extLst>
+                <a:ext uri="{FF2B5EF4-FFF2-40B4-BE49-F238E27FC236}">
+                  <a16:creationId xmlns:a16="http://schemas.microsoft.com/office/drawing/2014/main" id="{FEC3C18F-5071-CF94-4A98-1258142810F7}"/>
+                </a:ext>
+              </a:extLst>
+            </p:cNvPr>
+            <p:cNvCxnSpPr>
+              <a:cxnSpLocks/>
+            </p:cNvCxnSpPr>
+            <p:nvPr/>
+          </p:nvCxnSpPr>
+          <p:spPr>
+            <a:xfrm>
+              <a:off x="5528513" y="3690610"/>
+              <a:ext cx="1431685" cy="0"/>
+            </a:xfrm>
+            <a:prstGeom prst="line">
+              <a:avLst/>
+            </a:prstGeom>
+          </p:spPr>
+          <p:style>
+            <a:lnRef idx="2">
+              <a:schemeClr val="accent1"/>
+            </a:lnRef>
+            <a:fillRef idx="0">
+              <a:schemeClr val="accent1"/>
+            </a:fillRef>
+            <a:effectRef idx="1">
+              <a:schemeClr val="accent1"/>
+            </a:effectRef>
+            <a:fontRef idx="minor">
+              <a:schemeClr val="tx1"/>
+            </a:fontRef>
+          </p:style>
+        </p:cxnSp>
+        <p:sp>
+          <p:nvSpPr>
+            <p:cNvPr id="54" name="TextBox 53">
+              <a:extLst>
+                <a:ext uri="{FF2B5EF4-FFF2-40B4-BE49-F238E27FC236}">
+                  <a16:creationId xmlns:a16="http://schemas.microsoft.com/office/drawing/2014/main" id="{2FFB90DA-D0C2-C84E-9040-AB5D41ABB625}"/>
+                </a:ext>
+              </a:extLst>
+            </p:cNvPr>
+            <p:cNvSpPr txBox="1"/>
+            <p:nvPr/>
+          </p:nvSpPr>
+          <p:spPr>
+            <a:xfrm>
+              <a:off x="4288248" y="3429000"/>
+              <a:ext cx="1416144" cy="523220"/>
+            </a:xfrm>
+            <a:prstGeom prst="rect">
+              <a:avLst/>
+            </a:prstGeom>
+            <a:noFill/>
+          </p:spPr>
+          <p:txBody>
+            <a:bodyPr wrap="square" rtlCol="0">
+              <a:spAutoFit/>
+            </a:bodyPr>
+            <a:lstStyle/>
+            <a:p>
+              <a:r>
+                <a:rPr lang="en-US" sz="1400" dirty="0"/>
+                <a:t>Timeline for</a:t>
+              </a:r>
+            </a:p>
+            <a:p>
+              <a:r>
+                <a:rPr lang="en-US" sz="1400" b="1" dirty="0"/>
+                <a:t>Person 2</a:t>
+              </a:r>
+            </a:p>
+          </p:txBody>
+        </p:sp>
+        <p:sp>
+          <p:nvSpPr>
+            <p:cNvPr id="64" name="TextBox 63">
+              <a:extLst>
+                <a:ext uri="{FF2B5EF4-FFF2-40B4-BE49-F238E27FC236}">
+                  <a16:creationId xmlns:a16="http://schemas.microsoft.com/office/drawing/2014/main" id="{913DCE6D-A374-FCA6-80B0-8DAF8DDAB285}"/>
+                </a:ext>
+              </a:extLst>
+            </p:cNvPr>
+            <p:cNvSpPr txBox="1"/>
+            <p:nvPr/>
+          </p:nvSpPr>
+          <p:spPr>
+            <a:xfrm>
+              <a:off x="3612643" y="2650127"/>
+              <a:ext cx="2297577" cy="369332"/>
+            </a:xfrm>
+            <a:prstGeom prst="rect">
+              <a:avLst/>
+            </a:prstGeom>
+            <a:noFill/>
+          </p:spPr>
+          <p:txBody>
+            <a:bodyPr wrap="square" rtlCol="0">
+              <a:spAutoFit/>
+            </a:bodyPr>
+            <a:lstStyle/>
+            <a:p>
+              <a:r>
+                <a:rPr lang="en-US" b="1" i="1" dirty="0">
+                  <a:solidFill>
+                    <a:schemeClr val="accent5"/>
+                  </a:solidFill>
+                </a:rPr>
+                <a:t>Transmission   time</a:t>
+              </a:r>
+            </a:p>
+          </p:txBody>
+        </p:sp>
+        <p:cxnSp>
+          <p:nvCxnSpPr>
+            <p:cNvPr id="10" name="Straight Connector 9">
+              <a:extLst>
+                <a:ext uri="{FF2B5EF4-FFF2-40B4-BE49-F238E27FC236}">
+                  <a16:creationId xmlns:a16="http://schemas.microsoft.com/office/drawing/2014/main" id="{68F79EE2-194D-B0BA-99A2-E91B3C507C71}"/>
+                </a:ext>
+              </a:extLst>
+            </p:cNvPr>
+            <p:cNvCxnSpPr>
+              <a:cxnSpLocks/>
+            </p:cNvCxnSpPr>
+            <p:nvPr/>
+          </p:nvCxnSpPr>
+          <p:spPr>
+            <a:xfrm>
+              <a:off x="4504511" y="1197058"/>
+              <a:ext cx="0" cy="276289"/>
+            </a:xfrm>
+            <a:prstGeom prst="line">
+              <a:avLst/>
+            </a:prstGeom>
+          </p:spPr>
+          <p:style>
+            <a:lnRef idx="2">
+              <a:schemeClr val="accent1"/>
+            </a:lnRef>
+            <a:fillRef idx="0">
+              <a:schemeClr val="accent1"/>
+            </a:fillRef>
+            <a:effectRef idx="1">
+              <a:schemeClr val="accent1"/>
+            </a:effectRef>
+            <a:fontRef idx="minor">
+              <a:schemeClr val="tx1"/>
+            </a:fontRef>
+          </p:style>
+        </p:cxnSp>
+        <p:cxnSp>
+          <p:nvCxnSpPr>
+            <p:cNvPr id="6" name="Straight Connector 5">
+              <a:extLst>
+                <a:ext uri="{FF2B5EF4-FFF2-40B4-BE49-F238E27FC236}">
+                  <a16:creationId xmlns:a16="http://schemas.microsoft.com/office/drawing/2014/main" id="{215434FC-4E8B-9E21-CF47-78F404F992B9}"/>
+                </a:ext>
+              </a:extLst>
+            </p:cNvPr>
+            <p:cNvCxnSpPr>
+              <a:cxnSpLocks/>
+            </p:cNvCxnSpPr>
+            <p:nvPr/>
+          </p:nvCxnSpPr>
+          <p:spPr>
+            <a:xfrm>
+              <a:off x="3612643" y="1335202"/>
+              <a:ext cx="2773280" cy="0"/>
+            </a:xfrm>
+            <a:prstGeom prst="line">
+              <a:avLst/>
+            </a:prstGeom>
+          </p:spPr>
+          <p:style>
+            <a:lnRef idx="2">
+              <a:schemeClr val="accent1"/>
+            </a:lnRef>
+            <a:fillRef idx="0">
+              <a:schemeClr val="accent1"/>
+            </a:fillRef>
+            <a:effectRef idx="1">
+              <a:schemeClr val="accent1"/>
+            </a:effectRef>
+            <a:fontRef idx="minor">
+              <a:schemeClr val="tx1"/>
+            </a:fontRef>
+          </p:style>
+        </p:cxnSp>
+      </p:grpSp>
+    </p:spTree>
+    <p:extLst>
+      <p:ext uri="{BB962C8B-B14F-4D97-AF65-F5344CB8AC3E}">
+        <p14:creationId xmlns:p14="http://schemas.microsoft.com/office/powerpoint/2010/main" val="867953954"/>
+      </p:ext>
+    </p:extLst>
+  </p:cSld>
+  <p:clrMapOvr>
+    <a:masterClrMapping/>
+  </p:clrMapOvr>
+</p:sld>
+</file>
+
+<file path=ppt/slides/slide6.xml><?xml version="1.0" encoding="utf-8"?>
+<p:sld xmlns:a="http://schemas.openxmlformats.org/drawingml/2006/main" xmlns:r="http://schemas.openxmlformats.org/officeDocument/2006/relationships" xmlns:p="http://schemas.openxmlformats.org/presentationml/2006/main">
+  <p:cSld>
+    <p:spTree>
+      <p:nvGrpSpPr>
+        <p:cNvPr id="1" name="">
+          <a:extLst>
+            <a:ext uri="{FF2B5EF4-FFF2-40B4-BE49-F238E27FC236}">
+              <a16:creationId xmlns:a16="http://schemas.microsoft.com/office/drawing/2014/main" id="{72E0D8AD-BF9D-C5BB-D62E-11D5132776CD}"/>
+            </a:ext>
+          </a:extLst>
+        </p:cNvPr>
+        <p:cNvGrpSpPr/>
+        <p:nvPr/>
+      </p:nvGrpSpPr>
+      <p:grpSpPr>
+        <a:xfrm>
+          <a:off x="0" y="0"/>
+          <a:ext cx="0" cy="0"/>
+          <a:chOff x="0" y="0"/>
+          <a:chExt cx="0" cy="0"/>
+        </a:xfrm>
+      </p:grpSpPr>
+      <p:grpSp>
+        <p:nvGrpSpPr>
+          <p:cNvPr id="79" name="Group 78">
+            <a:extLst>
+              <a:ext uri="{FF2B5EF4-FFF2-40B4-BE49-F238E27FC236}">
+                <a16:creationId xmlns:a16="http://schemas.microsoft.com/office/drawing/2014/main" id="{CB3E08AF-55AD-979A-89AF-3A016D3DA141}"/>
+              </a:ext>
+            </a:extLst>
+          </p:cNvPr>
+          <p:cNvGrpSpPr/>
+          <p:nvPr/>
+        </p:nvGrpSpPr>
+        <p:grpSpPr>
+          <a:xfrm>
+            <a:off x="1616866" y="3429000"/>
+            <a:ext cx="7118695" cy="538255"/>
+            <a:chOff x="1616866" y="5020800"/>
+            <a:chExt cx="7118695" cy="538255"/>
+          </a:xfrm>
+        </p:grpSpPr>
+        <p:sp>
+          <p:nvSpPr>
+            <p:cNvPr id="67" name="TextBox 66">
+              <a:extLst>
+                <a:ext uri="{FF2B5EF4-FFF2-40B4-BE49-F238E27FC236}">
+                  <a16:creationId xmlns:a16="http://schemas.microsoft.com/office/drawing/2014/main" id="{FFB04F5E-8243-7823-4A29-7F249525BE86}"/>
+                </a:ext>
+              </a:extLst>
+            </p:cNvPr>
+            <p:cNvSpPr txBox="1"/>
+            <p:nvPr/>
+          </p:nvSpPr>
+          <p:spPr>
+            <a:xfrm>
+              <a:off x="1616866" y="5020800"/>
+              <a:ext cx="2117727" cy="523220"/>
+            </a:xfrm>
+            <a:prstGeom prst="rect">
+              <a:avLst/>
+            </a:prstGeom>
+            <a:noFill/>
+          </p:spPr>
+          <p:txBody>
+            <a:bodyPr wrap="square" rtlCol="0">
+              <a:spAutoFit/>
+            </a:bodyPr>
+            <a:lstStyle/>
+            <a:p>
+              <a:r>
+                <a:rPr lang="en-US" sz="1400" dirty="0"/>
+                <a:t>Date of Infection in </a:t>
+              </a:r>
+              <a:r>
+                <a:rPr lang="en-US" sz="1400" b="1" dirty="0"/>
+                <a:t>Person 2</a:t>
+              </a:r>
+            </a:p>
+          </p:txBody>
+        </p:sp>
+        <p:sp>
+          <p:nvSpPr>
+            <p:cNvPr id="68" name="TextBox 67">
+              <a:extLst>
+                <a:ext uri="{FF2B5EF4-FFF2-40B4-BE49-F238E27FC236}">
+                  <a16:creationId xmlns:a16="http://schemas.microsoft.com/office/drawing/2014/main" id="{8F012507-CA20-C216-E14A-F8711A4F7D19}"/>
+                </a:ext>
+              </a:extLst>
+            </p:cNvPr>
+            <p:cNvSpPr txBox="1"/>
+            <p:nvPr/>
+          </p:nvSpPr>
+          <p:spPr>
+            <a:xfrm>
+              <a:off x="4027425" y="5035835"/>
+              <a:ext cx="2117727" cy="523220"/>
+            </a:xfrm>
+            <a:prstGeom prst="rect">
+              <a:avLst/>
+            </a:prstGeom>
+            <a:noFill/>
+          </p:spPr>
+          <p:txBody>
+            <a:bodyPr wrap="square" rtlCol="0">
+              <a:spAutoFit/>
+            </a:bodyPr>
+            <a:lstStyle/>
+            <a:p>
+              <a:r>
+                <a:rPr lang="en-US" sz="1400" dirty="0"/>
+                <a:t>Date of Infection in </a:t>
+              </a:r>
+              <a:r>
+                <a:rPr lang="en-US" sz="1400" b="1" dirty="0"/>
+                <a:t>Person 1</a:t>
+              </a:r>
+            </a:p>
+          </p:txBody>
+        </p:sp>
+        <p:cxnSp>
+          <p:nvCxnSpPr>
+            <p:cNvPr id="69" name="Straight Connector 68">
+              <a:extLst>
+                <a:ext uri="{FF2B5EF4-FFF2-40B4-BE49-F238E27FC236}">
+                  <a16:creationId xmlns:a16="http://schemas.microsoft.com/office/drawing/2014/main" id="{7F166D0F-41F0-C854-1D78-935DCBFAE74E}"/>
+                </a:ext>
+              </a:extLst>
+            </p:cNvPr>
+            <p:cNvCxnSpPr>
+              <a:cxnSpLocks/>
+            </p:cNvCxnSpPr>
+            <p:nvPr/>
+          </p:nvCxnSpPr>
+          <p:spPr>
+            <a:xfrm>
+              <a:off x="3616919" y="5259214"/>
+              <a:ext cx="205253" cy="0"/>
+            </a:xfrm>
+            <a:prstGeom prst="line">
+              <a:avLst/>
+            </a:prstGeom>
+          </p:spPr>
+          <p:style>
+            <a:lnRef idx="2">
+              <a:schemeClr val="accent1"/>
+            </a:lnRef>
+            <a:fillRef idx="0">
+              <a:schemeClr val="accent1"/>
+            </a:fillRef>
+            <a:effectRef idx="1">
+              <a:schemeClr val="accent1"/>
+            </a:effectRef>
+            <a:fontRef idx="minor">
+              <a:schemeClr val="tx1"/>
+            </a:fontRef>
+          </p:style>
+        </p:cxnSp>
+        <p:cxnSp>
+          <p:nvCxnSpPr>
+            <p:cNvPr id="75" name="Straight Connector 74">
+              <a:extLst>
+                <a:ext uri="{FF2B5EF4-FFF2-40B4-BE49-F238E27FC236}">
+                  <a16:creationId xmlns:a16="http://schemas.microsoft.com/office/drawing/2014/main" id="{FF3D608F-C061-0720-5931-B40C8F32E470}"/>
+                </a:ext>
+              </a:extLst>
+            </p:cNvPr>
+            <p:cNvCxnSpPr>
+              <a:cxnSpLocks/>
+            </p:cNvCxnSpPr>
+            <p:nvPr/>
+          </p:nvCxnSpPr>
+          <p:spPr>
+            <a:xfrm>
+              <a:off x="6126376" y="5225992"/>
+              <a:ext cx="205253" cy="0"/>
+            </a:xfrm>
+            <a:prstGeom prst="line">
+              <a:avLst/>
+            </a:prstGeom>
+          </p:spPr>
+          <p:style>
+            <a:lnRef idx="2">
+              <a:schemeClr val="accent1"/>
+            </a:lnRef>
+            <a:fillRef idx="0">
+              <a:schemeClr val="accent1"/>
+            </a:fillRef>
+            <a:effectRef idx="1">
+              <a:schemeClr val="accent1"/>
+            </a:effectRef>
+            <a:fontRef idx="minor">
+              <a:schemeClr val="tx1"/>
+            </a:fontRef>
+          </p:style>
+        </p:cxnSp>
+        <p:cxnSp>
+          <p:nvCxnSpPr>
+            <p:cNvPr id="76" name="Straight Connector 75">
+              <a:extLst>
+                <a:ext uri="{FF2B5EF4-FFF2-40B4-BE49-F238E27FC236}">
+                  <a16:creationId xmlns:a16="http://schemas.microsoft.com/office/drawing/2014/main" id="{EB856932-C35D-1A02-8E88-0F3370C67471}"/>
+                </a:ext>
+              </a:extLst>
+            </p:cNvPr>
+            <p:cNvCxnSpPr>
+              <a:cxnSpLocks/>
+            </p:cNvCxnSpPr>
+            <p:nvPr/>
+          </p:nvCxnSpPr>
+          <p:spPr>
+            <a:xfrm>
+              <a:off x="6126376" y="5271321"/>
+              <a:ext cx="205253" cy="0"/>
+            </a:xfrm>
+            <a:prstGeom prst="line">
+              <a:avLst/>
+            </a:prstGeom>
+          </p:spPr>
+          <p:style>
+            <a:lnRef idx="2">
+              <a:schemeClr val="accent1"/>
+            </a:lnRef>
+            <a:fillRef idx="0">
+              <a:schemeClr val="accent1"/>
+            </a:fillRef>
+            <a:effectRef idx="1">
+              <a:schemeClr val="accent1"/>
+            </a:effectRef>
+            <a:fontRef idx="minor">
+              <a:schemeClr val="tx1"/>
+            </a:fontRef>
+          </p:style>
+        </p:cxnSp>
+        <p:sp>
+          <p:nvSpPr>
+            <p:cNvPr id="78" name="TextBox 77">
+              <a:extLst>
+                <a:ext uri="{FF2B5EF4-FFF2-40B4-BE49-F238E27FC236}">
+                  <a16:creationId xmlns:a16="http://schemas.microsoft.com/office/drawing/2014/main" id="{CEC46ADE-6643-51FB-6143-61622C49AD5E}"/>
+                </a:ext>
+              </a:extLst>
+            </p:cNvPr>
+            <p:cNvSpPr txBox="1"/>
+            <p:nvPr/>
+          </p:nvSpPr>
+          <p:spPr>
+            <a:xfrm>
+              <a:off x="6437984" y="5074548"/>
+              <a:ext cx="2297577" cy="369332"/>
+            </a:xfrm>
+            <a:prstGeom prst="rect">
+              <a:avLst/>
+            </a:prstGeom>
+            <a:noFill/>
+          </p:spPr>
+          <p:txBody>
+            <a:bodyPr wrap="square" rtlCol="0">
+              <a:spAutoFit/>
+            </a:bodyPr>
+            <a:lstStyle/>
+            <a:p>
+              <a:r>
+                <a:rPr lang="en-US" b="1" i="1" dirty="0">
+                  <a:solidFill>
+                    <a:schemeClr val="accent5"/>
+                  </a:solidFill>
+                </a:rPr>
+                <a:t>Generation interval</a:t>
+              </a:r>
+            </a:p>
+          </p:txBody>
+        </p:sp>
+      </p:grpSp>
+      <p:grpSp>
+        <p:nvGrpSpPr>
+          <p:cNvPr id="80" name="Group 79">
+            <a:extLst>
+              <a:ext uri="{FF2B5EF4-FFF2-40B4-BE49-F238E27FC236}">
+                <a16:creationId xmlns:a16="http://schemas.microsoft.com/office/drawing/2014/main" id="{316C0686-EAB1-984D-9937-ACCD10AF34E5}"/>
+              </a:ext>
+            </a:extLst>
+          </p:cNvPr>
+          <p:cNvGrpSpPr/>
+          <p:nvPr/>
+        </p:nvGrpSpPr>
+        <p:grpSpPr>
+          <a:xfrm>
+            <a:off x="1616866" y="5089522"/>
+            <a:ext cx="7118695" cy="538255"/>
+            <a:chOff x="1616866" y="5020800"/>
+            <a:chExt cx="7118695" cy="538255"/>
+          </a:xfrm>
+        </p:grpSpPr>
+        <p:sp>
+          <p:nvSpPr>
+            <p:cNvPr id="81" name="TextBox 80">
+              <a:extLst>
+                <a:ext uri="{FF2B5EF4-FFF2-40B4-BE49-F238E27FC236}">
+                  <a16:creationId xmlns:a16="http://schemas.microsoft.com/office/drawing/2014/main" id="{3036C852-6075-BB75-82F7-7B7107EBC6B3}"/>
+                </a:ext>
+              </a:extLst>
+            </p:cNvPr>
+            <p:cNvSpPr txBox="1"/>
+            <p:nvPr/>
+          </p:nvSpPr>
+          <p:spPr>
+            <a:xfrm>
+              <a:off x="1616866" y="5020800"/>
+              <a:ext cx="2117727" cy="523220"/>
+            </a:xfrm>
+            <a:prstGeom prst="rect">
+              <a:avLst/>
+            </a:prstGeom>
+            <a:noFill/>
+          </p:spPr>
+          <p:txBody>
+            <a:bodyPr wrap="square" rtlCol="0">
+              <a:spAutoFit/>
+            </a:bodyPr>
+            <a:lstStyle/>
+            <a:p>
+              <a:r>
+                <a:rPr lang="en-US" sz="1400" dirty="0"/>
+                <a:t>Date of symptom onset in </a:t>
+              </a:r>
+              <a:r>
+                <a:rPr lang="en-US" sz="1400" b="1" dirty="0"/>
+                <a:t>Person 2</a:t>
+              </a:r>
+            </a:p>
+          </p:txBody>
+        </p:sp>
+        <p:sp>
+          <p:nvSpPr>
+            <p:cNvPr id="82" name="TextBox 81">
+              <a:extLst>
+                <a:ext uri="{FF2B5EF4-FFF2-40B4-BE49-F238E27FC236}">
+                  <a16:creationId xmlns:a16="http://schemas.microsoft.com/office/drawing/2014/main" id="{3DF3B92D-12BC-7094-38C7-C0D1427BB385}"/>
+                </a:ext>
+              </a:extLst>
+            </p:cNvPr>
+            <p:cNvSpPr txBox="1"/>
+            <p:nvPr/>
+          </p:nvSpPr>
+          <p:spPr>
+            <a:xfrm>
+              <a:off x="4027425" y="5035835"/>
+              <a:ext cx="2117727" cy="523220"/>
+            </a:xfrm>
+            <a:prstGeom prst="rect">
+              <a:avLst/>
+            </a:prstGeom>
+            <a:noFill/>
+          </p:spPr>
+          <p:txBody>
+            <a:bodyPr wrap="square" rtlCol="0">
+              <a:spAutoFit/>
+            </a:bodyPr>
+            <a:lstStyle/>
+            <a:p>
+              <a:r>
+                <a:rPr lang="en-US" sz="1400" dirty="0"/>
+                <a:t>Date of symptom onset in </a:t>
+              </a:r>
+              <a:r>
+                <a:rPr lang="en-US" sz="1400" b="1" dirty="0"/>
+                <a:t>Person 1</a:t>
+              </a:r>
+            </a:p>
+          </p:txBody>
+        </p:sp>
+        <p:cxnSp>
+          <p:nvCxnSpPr>
+            <p:cNvPr id="83" name="Straight Connector 82">
+              <a:extLst>
+                <a:ext uri="{FF2B5EF4-FFF2-40B4-BE49-F238E27FC236}">
+                  <a16:creationId xmlns:a16="http://schemas.microsoft.com/office/drawing/2014/main" id="{EFB682B6-FBF7-A2E6-62A8-475C90D2DEC7}"/>
+                </a:ext>
+              </a:extLst>
+            </p:cNvPr>
+            <p:cNvCxnSpPr>
+              <a:cxnSpLocks/>
+            </p:cNvCxnSpPr>
+            <p:nvPr/>
+          </p:nvCxnSpPr>
+          <p:spPr>
+            <a:xfrm>
+              <a:off x="3616919" y="5259214"/>
+              <a:ext cx="205253" cy="0"/>
+            </a:xfrm>
+            <a:prstGeom prst="line">
+              <a:avLst/>
+            </a:prstGeom>
+          </p:spPr>
+          <p:style>
+            <a:lnRef idx="2">
+              <a:schemeClr val="accent1"/>
+            </a:lnRef>
+            <a:fillRef idx="0">
+              <a:schemeClr val="accent1"/>
+            </a:fillRef>
+            <a:effectRef idx="1">
+              <a:schemeClr val="accent1"/>
+            </a:effectRef>
+            <a:fontRef idx="minor">
+              <a:schemeClr val="tx1"/>
+            </a:fontRef>
+          </p:style>
+        </p:cxnSp>
+        <p:cxnSp>
+          <p:nvCxnSpPr>
+            <p:cNvPr id="84" name="Straight Connector 83">
+              <a:extLst>
+                <a:ext uri="{FF2B5EF4-FFF2-40B4-BE49-F238E27FC236}">
+                  <a16:creationId xmlns:a16="http://schemas.microsoft.com/office/drawing/2014/main" id="{86D6E052-367F-C64F-8A40-90BBCA489602}"/>
+                </a:ext>
+              </a:extLst>
+            </p:cNvPr>
+            <p:cNvCxnSpPr>
+              <a:cxnSpLocks/>
+            </p:cNvCxnSpPr>
+            <p:nvPr/>
+          </p:nvCxnSpPr>
+          <p:spPr>
+            <a:xfrm>
+              <a:off x="6134689" y="5225992"/>
+              <a:ext cx="205253" cy="0"/>
+            </a:xfrm>
+            <a:prstGeom prst="line">
+              <a:avLst/>
+            </a:prstGeom>
+          </p:spPr>
+          <p:style>
+            <a:lnRef idx="2">
+              <a:schemeClr val="accent1"/>
+            </a:lnRef>
+            <a:fillRef idx="0">
+              <a:schemeClr val="accent1"/>
+            </a:fillRef>
+            <a:effectRef idx="1">
+              <a:schemeClr val="accent1"/>
+            </a:effectRef>
+            <a:fontRef idx="minor">
+              <a:schemeClr val="tx1"/>
+            </a:fontRef>
+          </p:style>
+        </p:cxnSp>
+        <p:cxnSp>
+          <p:nvCxnSpPr>
+            <p:cNvPr id="85" name="Straight Connector 84">
+              <a:extLst>
+                <a:ext uri="{FF2B5EF4-FFF2-40B4-BE49-F238E27FC236}">
+                  <a16:creationId xmlns:a16="http://schemas.microsoft.com/office/drawing/2014/main" id="{68672D19-73F1-49DF-A949-7BF0C87FF7EB}"/>
+                </a:ext>
+              </a:extLst>
+            </p:cNvPr>
+            <p:cNvCxnSpPr>
+              <a:cxnSpLocks/>
+            </p:cNvCxnSpPr>
+            <p:nvPr/>
+          </p:nvCxnSpPr>
+          <p:spPr>
+            <a:xfrm>
+              <a:off x="6134689" y="5271321"/>
+              <a:ext cx="205253" cy="0"/>
+            </a:xfrm>
+            <a:prstGeom prst="line">
+              <a:avLst/>
+            </a:prstGeom>
+          </p:spPr>
+          <p:style>
+            <a:lnRef idx="2">
+              <a:schemeClr val="accent1"/>
+            </a:lnRef>
+            <a:fillRef idx="0">
+              <a:schemeClr val="accent1"/>
+            </a:fillRef>
+            <a:effectRef idx="1">
+              <a:schemeClr val="accent1"/>
+            </a:effectRef>
+            <a:fontRef idx="minor">
+              <a:schemeClr val="tx1"/>
+            </a:fontRef>
+          </p:style>
+        </p:cxnSp>
+        <p:sp>
+          <p:nvSpPr>
+            <p:cNvPr id="86" name="TextBox 85">
+              <a:extLst>
+                <a:ext uri="{FF2B5EF4-FFF2-40B4-BE49-F238E27FC236}">
+                  <a16:creationId xmlns:a16="http://schemas.microsoft.com/office/drawing/2014/main" id="{8137DA37-777E-B76E-7FD7-067565925718}"/>
+                </a:ext>
+              </a:extLst>
+            </p:cNvPr>
+            <p:cNvSpPr txBox="1"/>
+            <p:nvPr/>
+          </p:nvSpPr>
+          <p:spPr>
+            <a:xfrm>
+              <a:off x="6437984" y="5074548"/>
+              <a:ext cx="2297577" cy="369332"/>
+            </a:xfrm>
+            <a:prstGeom prst="rect">
+              <a:avLst/>
+            </a:prstGeom>
+            <a:noFill/>
+          </p:spPr>
+          <p:txBody>
+            <a:bodyPr wrap="square" rtlCol="0">
+              <a:spAutoFit/>
+            </a:bodyPr>
+            <a:lstStyle/>
+            <a:p>
+              <a:r>
+                <a:rPr lang="en-US" b="1" i="1" dirty="0">
+                  <a:solidFill>
+                    <a:schemeClr val="accent5"/>
+                  </a:solidFill>
+                </a:rPr>
+                <a:t>Serial interval</a:t>
+              </a:r>
+            </a:p>
+          </p:txBody>
+        </p:sp>
+      </p:grpSp>
+    </p:spTree>
+    <p:extLst>
+      <p:ext uri="{BB962C8B-B14F-4D97-AF65-F5344CB8AC3E}">
+        <p14:creationId xmlns:p14="http://schemas.microsoft.com/office/powerpoint/2010/main" val="415851783"/>
+      </p:ext>
+    </p:extLst>
+  </p:cSld>
+  <p:clrMapOvr>
+    <a:masterClrMapping/>
+  </p:clrMapOvr>
+</p:sld>
+</file>
+
 <file path=ppt/theme/theme1.xml><?xml version="1.0" encoding="utf-8"?>
 <a:theme xmlns:a="http://schemas.openxmlformats.org/drawingml/2006/main" name="Office Theme">
   <a:themeElements>

--- a/Presentation1.pptx
+++ b/Presentation1.pptx
@@ -8,9 +8,10 @@
     <p:sldId id="256" r:id="rId2"/>
     <p:sldId id="257" r:id="rId3"/>
     <p:sldId id="258" r:id="rId4"/>
-    <p:sldId id="259" r:id="rId5"/>
-    <p:sldId id="260" r:id="rId6"/>
-    <p:sldId id="261" r:id="rId7"/>
+    <p:sldId id="262" r:id="rId5"/>
+    <p:sldId id="259" r:id="rId6"/>
+    <p:sldId id="260" r:id="rId7"/>
+    <p:sldId id="261" r:id="rId8"/>
   </p:sldIdLst>
   <p:sldSz cx="12192000" cy="6858000"/>
   <p:notesSz cx="6858000" cy="9144000"/>
@@ -6313,6 +6314,492 @@
         <p:cNvPr id="1" name="">
           <a:extLst>
             <a:ext uri="{FF2B5EF4-FFF2-40B4-BE49-F238E27FC236}">
+              <a16:creationId xmlns:a16="http://schemas.microsoft.com/office/drawing/2014/main" id="{C76847EB-0913-79BF-4F3E-17A8D5F8E1DC}"/>
+            </a:ext>
+          </a:extLst>
+        </p:cNvPr>
+        <p:cNvGrpSpPr/>
+        <p:nvPr/>
+      </p:nvGrpSpPr>
+      <p:grpSpPr>
+        <a:xfrm>
+          <a:off x="0" y="0"/>
+          <a:ext cx="0" cy="0"/>
+          <a:chOff x="0" y="0"/>
+          <a:chExt cx="0" cy="0"/>
+        </a:xfrm>
+      </p:grpSpPr>
+      <p:grpSp>
+        <p:nvGrpSpPr>
+          <p:cNvPr id="6" name="Group 5">
+            <a:extLst>
+              <a:ext uri="{FF2B5EF4-FFF2-40B4-BE49-F238E27FC236}">
+                <a16:creationId xmlns:a16="http://schemas.microsoft.com/office/drawing/2014/main" id="{2792E2D1-9036-84AA-4C02-9B3A481A2559}"/>
+              </a:ext>
+            </a:extLst>
+          </p:cNvPr>
+          <p:cNvGrpSpPr/>
+          <p:nvPr/>
+        </p:nvGrpSpPr>
+        <p:grpSpPr>
+          <a:xfrm>
+            <a:off x="3715183" y="832267"/>
+            <a:ext cx="6735517" cy="1502048"/>
+            <a:chOff x="3715183" y="832267"/>
+            <a:chExt cx="6735517" cy="1502048"/>
+          </a:xfrm>
+        </p:grpSpPr>
+        <p:grpSp>
+          <p:nvGrpSpPr>
+            <p:cNvPr id="51" name="Group 50">
+              <a:extLst>
+                <a:ext uri="{FF2B5EF4-FFF2-40B4-BE49-F238E27FC236}">
+                  <a16:creationId xmlns:a16="http://schemas.microsoft.com/office/drawing/2014/main" id="{12B7C7A1-4074-55B2-51B1-A0C3F3417AD7}"/>
+                </a:ext>
+              </a:extLst>
+            </p:cNvPr>
+            <p:cNvGrpSpPr/>
+            <p:nvPr/>
+          </p:nvGrpSpPr>
+          <p:grpSpPr>
+            <a:xfrm>
+              <a:off x="4503141" y="832267"/>
+              <a:ext cx="4984787" cy="369332"/>
+              <a:chOff x="4633389" y="1713800"/>
+              <a:chExt cx="4984787" cy="369332"/>
+            </a:xfrm>
+          </p:grpSpPr>
+          <p:sp>
+            <p:nvSpPr>
+              <p:cNvPr id="24" name="TextBox 23">
+                <a:extLst>
+                  <a:ext uri="{FF2B5EF4-FFF2-40B4-BE49-F238E27FC236}">
+                    <a16:creationId xmlns:a16="http://schemas.microsoft.com/office/drawing/2014/main" id="{E003BA2C-F44C-DC1E-4462-DAED4EDD8553}"/>
+                  </a:ext>
+                </a:extLst>
+              </p:cNvPr>
+              <p:cNvSpPr txBox="1"/>
+              <p:nvPr/>
+            </p:nvSpPr>
+            <p:spPr>
+              <a:xfrm>
+                <a:off x="7192576" y="1713800"/>
+                <a:ext cx="2425600" cy="369332"/>
+              </a:xfrm>
+              <a:prstGeom prst="rect">
+                <a:avLst/>
+              </a:prstGeom>
+              <a:noFill/>
+            </p:spPr>
+            <p:txBody>
+              <a:bodyPr wrap="square" rtlCol="0">
+                <a:spAutoFit/>
+              </a:bodyPr>
+              <a:lstStyle/>
+              <a:p>
+                <a:r>
+                  <a:rPr lang="en-US" b="1" i="1" dirty="0">
+                    <a:solidFill>
+                      <a:schemeClr val="accent4"/>
+                    </a:solidFill>
+                  </a:rPr>
+                  <a:t>Administrative delay</a:t>
+                </a:r>
+              </a:p>
+            </p:txBody>
+          </p:sp>
+          <p:sp>
+            <p:nvSpPr>
+              <p:cNvPr id="26" name="TextBox 25">
+                <a:extLst>
+                  <a:ext uri="{FF2B5EF4-FFF2-40B4-BE49-F238E27FC236}">
+                    <a16:creationId xmlns:a16="http://schemas.microsoft.com/office/drawing/2014/main" id="{ED1A0EEF-115F-783B-5946-32AE3F83878F}"/>
+                  </a:ext>
+                </a:extLst>
+              </p:cNvPr>
+              <p:cNvSpPr txBox="1"/>
+              <p:nvPr/>
+            </p:nvSpPr>
+            <p:spPr>
+              <a:xfrm>
+                <a:off x="4633389" y="1713800"/>
+                <a:ext cx="2304723" cy="369332"/>
+              </a:xfrm>
+              <a:prstGeom prst="rect">
+                <a:avLst/>
+              </a:prstGeom>
+              <a:noFill/>
+            </p:spPr>
+            <p:txBody>
+              <a:bodyPr wrap="square" rtlCol="0">
+                <a:spAutoFit/>
+              </a:bodyPr>
+              <a:lstStyle/>
+              <a:p>
+                <a:r>
+                  <a:rPr lang="en-US" b="1" i="1" dirty="0">
+                    <a:solidFill>
+                      <a:schemeClr val="accent4"/>
+                    </a:solidFill>
+                  </a:rPr>
+                  <a:t>“Time to test” delay</a:t>
+                </a:r>
+              </a:p>
+            </p:txBody>
+          </p:sp>
+        </p:grpSp>
+        <p:sp>
+          <p:nvSpPr>
+            <p:cNvPr id="7" name="Rounded Rectangle 6">
+              <a:extLst>
+                <a:ext uri="{FF2B5EF4-FFF2-40B4-BE49-F238E27FC236}">
+                  <a16:creationId xmlns:a16="http://schemas.microsoft.com/office/drawing/2014/main" id="{7A265B86-3703-263E-4B95-65E0425994B8}"/>
+                </a:ext>
+              </a:extLst>
+            </p:cNvPr>
+            <p:cNvSpPr/>
+            <p:nvPr/>
+          </p:nvSpPr>
+          <p:spPr>
+            <a:xfrm>
+              <a:off x="3715183" y="1564882"/>
+              <a:ext cx="1676399" cy="769433"/>
+            </a:xfrm>
+            <a:prstGeom prst="roundRect">
+              <a:avLst/>
+            </a:prstGeom>
+            <a:ln>
+              <a:noFill/>
+            </a:ln>
+          </p:spPr>
+          <p:style>
+            <a:lnRef idx="2">
+              <a:schemeClr val="dk1"/>
+            </a:lnRef>
+            <a:fillRef idx="1">
+              <a:schemeClr val="lt1"/>
+            </a:fillRef>
+            <a:effectRef idx="0">
+              <a:schemeClr val="dk1"/>
+            </a:effectRef>
+            <a:fontRef idx="minor">
+              <a:schemeClr val="dk1"/>
+            </a:fontRef>
+          </p:style>
+          <p:txBody>
+            <a:bodyPr rtlCol="0" anchor="ctr"/>
+            <a:lstStyle/>
+            <a:p>
+              <a:pPr algn="ctr"/>
+              <a:r>
+                <a:rPr lang="en-US" sz="1400" dirty="0"/>
+                <a:t>Symptom onset / </a:t>
+              </a:r>
+            </a:p>
+            <a:p>
+              <a:pPr algn="ctr"/>
+              <a:r>
+                <a:rPr lang="en-US" sz="1400" dirty="0"/>
+                <a:t>Ability to infect others</a:t>
+              </a:r>
+            </a:p>
+          </p:txBody>
+        </p:sp>
+        <p:sp>
+          <p:nvSpPr>
+            <p:cNvPr id="9" name="Rounded Rectangle 8">
+              <a:extLst>
+                <a:ext uri="{FF2B5EF4-FFF2-40B4-BE49-F238E27FC236}">
+                  <a16:creationId xmlns:a16="http://schemas.microsoft.com/office/drawing/2014/main" id="{8ACE92BF-96E9-8181-17AF-8A5D713DDC6E}"/>
+                </a:ext>
+              </a:extLst>
+            </p:cNvPr>
+            <p:cNvSpPr/>
+            <p:nvPr/>
+          </p:nvSpPr>
+          <p:spPr>
+            <a:xfrm>
+              <a:off x="6244742" y="1552848"/>
+              <a:ext cx="1676399" cy="669072"/>
+            </a:xfrm>
+            <a:prstGeom prst="roundRect">
+              <a:avLst/>
+            </a:prstGeom>
+            <a:ln>
+              <a:noFill/>
+            </a:ln>
+          </p:spPr>
+          <p:style>
+            <a:lnRef idx="2">
+              <a:schemeClr val="dk1"/>
+            </a:lnRef>
+            <a:fillRef idx="1">
+              <a:schemeClr val="lt1"/>
+            </a:fillRef>
+            <a:effectRef idx="0">
+              <a:schemeClr val="dk1"/>
+            </a:effectRef>
+            <a:fontRef idx="minor">
+              <a:schemeClr val="dk1"/>
+            </a:fontRef>
+          </p:style>
+          <p:txBody>
+            <a:bodyPr rtlCol="0" anchor="ctr"/>
+            <a:lstStyle/>
+            <a:p>
+              <a:pPr algn="ctr"/>
+              <a:r>
+                <a:rPr lang="en-US" sz="1400" dirty="0"/>
+                <a:t>Taking a diagnostic test</a:t>
+              </a:r>
+            </a:p>
+          </p:txBody>
+        </p:sp>
+        <p:sp>
+          <p:nvSpPr>
+            <p:cNvPr id="12" name="Rounded Rectangle 11">
+              <a:extLst>
+                <a:ext uri="{FF2B5EF4-FFF2-40B4-BE49-F238E27FC236}">
+                  <a16:creationId xmlns:a16="http://schemas.microsoft.com/office/drawing/2014/main" id="{BF2B7CC1-EE13-28D8-9910-5EA81D06E11A}"/>
+                </a:ext>
+              </a:extLst>
+            </p:cNvPr>
+            <p:cNvSpPr/>
+            <p:nvPr/>
+          </p:nvSpPr>
+          <p:spPr>
+            <a:xfrm>
+              <a:off x="8774301" y="1564882"/>
+              <a:ext cx="1676399" cy="669072"/>
+            </a:xfrm>
+            <a:prstGeom prst="roundRect">
+              <a:avLst/>
+            </a:prstGeom>
+            <a:ln>
+              <a:noFill/>
+            </a:ln>
+          </p:spPr>
+          <p:style>
+            <a:lnRef idx="2">
+              <a:schemeClr val="dk1"/>
+            </a:lnRef>
+            <a:fillRef idx="1">
+              <a:schemeClr val="lt1"/>
+            </a:fillRef>
+            <a:effectRef idx="0">
+              <a:schemeClr val="dk1"/>
+            </a:effectRef>
+            <a:fontRef idx="minor">
+              <a:schemeClr val="dk1"/>
+            </a:fontRef>
+          </p:style>
+          <p:txBody>
+            <a:bodyPr rtlCol="0" anchor="ctr"/>
+            <a:lstStyle/>
+            <a:p>
+              <a:pPr algn="ctr"/>
+              <a:r>
+                <a:rPr lang="en-US" sz="1400" dirty="0"/>
+                <a:t>Test result appears in surveillance data</a:t>
+              </a:r>
+            </a:p>
+          </p:txBody>
+        </p:sp>
+        <p:grpSp>
+          <p:nvGrpSpPr>
+            <p:cNvPr id="17" name="Group 16">
+              <a:extLst>
+                <a:ext uri="{FF2B5EF4-FFF2-40B4-BE49-F238E27FC236}">
+                  <a16:creationId xmlns:a16="http://schemas.microsoft.com/office/drawing/2014/main" id="{B84E6D40-8156-9758-6D79-9D84E73CCAE1}"/>
+                </a:ext>
+              </a:extLst>
+            </p:cNvPr>
+            <p:cNvGrpSpPr/>
+            <p:nvPr/>
+          </p:nvGrpSpPr>
+          <p:grpSpPr>
+            <a:xfrm>
+              <a:off x="4521877" y="1227958"/>
+              <a:ext cx="5090624" cy="276289"/>
+              <a:chOff x="3886257" y="2463192"/>
+              <a:chExt cx="5090624" cy="276289"/>
+            </a:xfrm>
+          </p:grpSpPr>
+          <p:cxnSp>
+            <p:nvCxnSpPr>
+              <p:cNvPr id="13" name="Straight Connector 12">
+                <a:extLst>
+                  <a:ext uri="{FF2B5EF4-FFF2-40B4-BE49-F238E27FC236}">
+                    <a16:creationId xmlns:a16="http://schemas.microsoft.com/office/drawing/2014/main" id="{7F309961-9826-3CF6-0B54-6DAEAB12D0BB}"/>
+                  </a:ext>
+                </a:extLst>
+              </p:cNvPr>
+              <p:cNvCxnSpPr>
+                <a:cxnSpLocks/>
+              </p:cNvCxnSpPr>
+              <p:nvPr/>
+            </p:nvCxnSpPr>
+            <p:spPr>
+              <a:xfrm>
+                <a:off x="3886257" y="2463192"/>
+                <a:ext cx="0" cy="276289"/>
+              </a:xfrm>
+              <a:prstGeom prst="line">
+                <a:avLst/>
+              </a:prstGeom>
+            </p:spPr>
+            <p:style>
+              <a:lnRef idx="2">
+                <a:schemeClr val="accent1"/>
+              </a:lnRef>
+              <a:fillRef idx="0">
+                <a:schemeClr val="accent1"/>
+              </a:fillRef>
+              <a:effectRef idx="1">
+                <a:schemeClr val="accent1"/>
+              </a:effectRef>
+              <a:fontRef idx="minor">
+                <a:schemeClr val="tx1"/>
+              </a:fontRef>
+            </p:style>
+          </p:cxnSp>
+          <p:cxnSp>
+            <p:nvCxnSpPr>
+              <p:cNvPr id="14" name="Straight Connector 13">
+                <a:extLst>
+                  <a:ext uri="{FF2B5EF4-FFF2-40B4-BE49-F238E27FC236}">
+                    <a16:creationId xmlns:a16="http://schemas.microsoft.com/office/drawing/2014/main" id="{52000431-9659-5BF7-FAD8-AE3390FF06AC}"/>
+                  </a:ext>
+                </a:extLst>
+              </p:cNvPr>
+              <p:cNvCxnSpPr>
+                <a:cxnSpLocks/>
+              </p:cNvCxnSpPr>
+              <p:nvPr/>
+            </p:nvCxnSpPr>
+            <p:spPr>
+              <a:xfrm>
+                <a:off x="6415818" y="2463192"/>
+                <a:ext cx="0" cy="276289"/>
+              </a:xfrm>
+              <a:prstGeom prst="line">
+                <a:avLst/>
+              </a:prstGeom>
+            </p:spPr>
+            <p:style>
+              <a:lnRef idx="2">
+                <a:schemeClr val="accent1"/>
+              </a:lnRef>
+              <a:fillRef idx="0">
+                <a:schemeClr val="accent1"/>
+              </a:fillRef>
+              <a:effectRef idx="1">
+                <a:schemeClr val="accent1"/>
+              </a:effectRef>
+              <a:fontRef idx="minor">
+                <a:schemeClr val="tx1"/>
+              </a:fontRef>
+            </p:style>
+          </p:cxnSp>
+          <p:cxnSp>
+            <p:nvCxnSpPr>
+              <p:cNvPr id="15" name="Straight Connector 14">
+                <a:extLst>
+                  <a:ext uri="{FF2B5EF4-FFF2-40B4-BE49-F238E27FC236}">
+                    <a16:creationId xmlns:a16="http://schemas.microsoft.com/office/drawing/2014/main" id="{EEDDF0FB-BEEA-D7FB-C32A-6AB884C12800}"/>
+                  </a:ext>
+                </a:extLst>
+              </p:cNvPr>
+              <p:cNvCxnSpPr>
+                <a:cxnSpLocks/>
+              </p:cNvCxnSpPr>
+              <p:nvPr/>
+            </p:nvCxnSpPr>
+            <p:spPr>
+              <a:xfrm>
+                <a:off x="8976881" y="2463192"/>
+                <a:ext cx="0" cy="276289"/>
+              </a:xfrm>
+              <a:prstGeom prst="line">
+                <a:avLst/>
+              </a:prstGeom>
+            </p:spPr>
+            <p:style>
+              <a:lnRef idx="2">
+                <a:schemeClr val="accent1"/>
+              </a:lnRef>
+              <a:fillRef idx="0">
+                <a:schemeClr val="accent1"/>
+              </a:fillRef>
+              <a:effectRef idx="1">
+                <a:schemeClr val="accent1"/>
+              </a:effectRef>
+              <a:fontRef idx="minor">
+                <a:schemeClr val="tx1"/>
+              </a:fontRef>
+            </p:style>
+          </p:cxnSp>
+        </p:grpSp>
+        <p:cxnSp>
+          <p:nvCxnSpPr>
+            <p:cNvPr id="19" name="Straight Connector 18">
+              <a:extLst>
+                <a:ext uri="{FF2B5EF4-FFF2-40B4-BE49-F238E27FC236}">
+                  <a16:creationId xmlns:a16="http://schemas.microsoft.com/office/drawing/2014/main" id="{54DA60A2-9B9C-7C8B-CC76-9817EE901D37}"/>
+                </a:ext>
+              </a:extLst>
+            </p:cNvPr>
+            <p:cNvCxnSpPr>
+              <a:cxnSpLocks/>
+            </p:cNvCxnSpPr>
+            <p:nvPr/>
+          </p:nvCxnSpPr>
+          <p:spPr>
+            <a:xfrm>
+              <a:off x="4521877" y="1366102"/>
+              <a:ext cx="5090624" cy="0"/>
+            </a:xfrm>
+            <a:prstGeom prst="line">
+              <a:avLst/>
+            </a:prstGeom>
+          </p:spPr>
+          <p:style>
+            <a:lnRef idx="2">
+              <a:schemeClr val="accent1"/>
+            </a:lnRef>
+            <a:fillRef idx="0">
+              <a:schemeClr val="accent1"/>
+            </a:fillRef>
+            <a:effectRef idx="1">
+              <a:schemeClr val="accent1"/>
+            </a:effectRef>
+            <a:fontRef idx="minor">
+              <a:schemeClr val="tx1"/>
+            </a:fontRef>
+          </p:style>
+        </p:cxnSp>
+      </p:grpSp>
+    </p:spTree>
+    <p:extLst>
+      <p:ext uri="{BB962C8B-B14F-4D97-AF65-F5344CB8AC3E}">
+        <p14:creationId xmlns:p14="http://schemas.microsoft.com/office/powerpoint/2010/main" val="3553677444"/>
+      </p:ext>
+    </p:extLst>
+  </p:cSld>
+  <p:clrMapOvr>
+    <a:masterClrMapping/>
+  </p:clrMapOvr>
+</p:sld>
+</file>
+
+<file path=ppt/slides/slide5.xml><?xml version="1.0" encoding="utf-8"?>
+<p:sld xmlns:a="http://schemas.openxmlformats.org/drawingml/2006/main" xmlns:r="http://schemas.openxmlformats.org/officeDocument/2006/relationships" xmlns:p="http://schemas.openxmlformats.org/presentationml/2006/main">
+  <p:cSld>
+    <p:spTree>
+      <p:nvGrpSpPr>
+        <p:cNvPr id="1" name="">
+          <a:extLst>
+            <a:ext uri="{FF2B5EF4-FFF2-40B4-BE49-F238E27FC236}">
               <a16:creationId xmlns:a16="http://schemas.microsoft.com/office/drawing/2014/main" id="{3F69F97C-DDFA-DB87-DC99-E575468DD3C6}"/>
             </a:ext>
           </a:extLst>
@@ -6643,7 +7130,7 @@
 </p:sld>
 </file>
 
-<file path=ppt/slides/slide5.xml><?xml version="1.0" encoding="utf-8"?>
+<file path=ppt/slides/slide6.xml><?xml version="1.0" encoding="utf-8"?>
 <p:sld xmlns:a="http://schemas.openxmlformats.org/drawingml/2006/main" xmlns:r="http://schemas.openxmlformats.org/officeDocument/2006/relationships" xmlns:p="http://schemas.openxmlformats.org/presentationml/2006/main">
   <p:cSld>
     <p:spTree>
@@ -7124,7 +7611,7 @@
 </p:sld>
 </file>
 
-<file path=ppt/slides/slide6.xml><?xml version="1.0" encoding="utf-8"?>
+<file path=ppt/slides/slide7.xml><?xml version="1.0" encoding="utf-8"?>
 <p:sld xmlns:a="http://schemas.openxmlformats.org/drawingml/2006/main" xmlns:r="http://schemas.openxmlformats.org/officeDocument/2006/relationships" xmlns:p="http://schemas.openxmlformats.org/presentationml/2006/main">
   <p:cSld>
     <p:spTree>
